--- a/figures/2016_AAG_InfoEcosystem.pptx
+++ b/figures/2016_AAG_InfoEcosystem.pptx
@@ -162,7 +162,7 @@
   </p:defaultTextStyle>
   <p:extLst>
     <p:ext uri="{EFAFB233-063F-42B5-8137-9DF3F51BA10A}">
-      <p15:sldGuideLst xmlns:p15="http://schemas.microsoft.com/office/powerpoint/2012/main" xmlns="">
+      <p15:sldGuideLst xmlns:p15="http://schemas.microsoft.com/office/powerpoint/2012/main">
         <p15:guide id="1" orient="horz" pos="2160">
           <p15:clr>
             <a:srgbClr val="A4A3A4"/>
@@ -181,7 +181,17 @@
 
 <file path=ppt/charts/chart1.xml><?xml version="1.0" encoding="utf-8"?>
 <c:chartSpace xmlns:c="http://schemas.openxmlformats.org/drawingml/2006/chart" xmlns:a="http://schemas.openxmlformats.org/drawingml/2006/main" xmlns:r="http://schemas.openxmlformats.org/officeDocument/2006/relationships">
+  <c:date1904 val="0"/>
   <c:lang val="en-US"/>
+  <c:roundedCorners val="0"/>
+  <mc:AlternateContent xmlns:mc="http://schemas.openxmlformats.org/markup-compatibility/2006">
+    <mc:Choice xmlns:c14="http://schemas.microsoft.com/office/drawing/2007/8/2/chart" Requires="c14">
+      <c14:style val="102"/>
+    </mc:Choice>
+    <mc:Fallback>
+      <c:style val="2"/>
+    </mc:Fallback>
+  </mc:AlternateContent>
   <c:clrMapOvr bg1="lt1" tx1="dk1" bg2="lt2" tx2="dk2" accent1="accent1" accent2="accent2" accent3="accent3" accent4="accent4" accent5="accent5" accent6="accent6" hlink="hlink" folHlink="folHlink"/>
   <c:chart>
     <c:autoTitleDeleted val="1"/>
@@ -199,6 +209,7 @@
       </c:layout>
       <c:lineChart>
         <c:grouping val="standard"/>
+        <c:varyColors val="0"/>
         <c:ser>
           <c:idx val="0"/>
           <c:order val="0"/>
@@ -264,15 +275,40 @@
                 </a:ln>
                 <a:effectLst/>
               </c:spPr>
+              <c:txPr>
+                <a:bodyPr rot="0" spcFirstLastPara="1" vertOverflow="ellipsis" vert="horz" wrap="square" lIns="38100" tIns="19050" rIns="38100" bIns="19050" anchor="ctr" anchorCtr="1">
+                  <a:spAutoFit/>
+                </a:bodyPr>
+                <a:lstStyle/>
+                <a:p>
+                  <a:pPr>
+                    <a:defRPr sz="1200" b="0" i="0" u="none" strike="noStrike" kern="1200" baseline="0">
+                      <a:solidFill>
+                        <a:schemeClr val="tx1">
+                          <a:lumMod val="75000"/>
+                          <a:lumOff val="25000"/>
+                        </a:schemeClr>
+                      </a:solidFill>
+                      <a:latin typeface="+mn-lt"/>
+                      <a:ea typeface="+mn-ea"/>
+                      <a:cs typeface="+mn-cs"/>
+                    </a:defRPr>
+                  </a:pPr>
+                  <a:endParaRPr lang="en-US"/>
+                </a:p>
+              </c:txPr>
+              <c:showLegendKey val="0"/>
               <c:showVal val="1"/>
+              <c:showCatName val="0"/>
+              <c:showSerName val="0"/>
+              <c:showPercent val="0"/>
+              <c:showBubbleSize val="0"/>
               <c:extLst>
                 <c:ext xmlns:c15="http://schemas.microsoft.com/office/drawing/2012/chart" uri="{CE6537A1-D6FC-4f65-9D91-7224C49458BB}">
-                  <c15:dlblFieldTable/>
-                  <c15:showDataLabelsRange val="0"/>
+                  <c15:layout/>
                 </c:ext>
               </c:extLst>
             </c:dLbl>
-            <c:delete val="1"/>
             <c:spPr>
               <a:noFill/>
               <a:ln>
@@ -302,6 +338,12 @@
                 <a:endParaRPr lang="en-US"/>
               </a:p>
             </c:txPr>
+            <c:showLegendKey val="0"/>
+            <c:showVal val="0"/>
+            <c:showCatName val="0"/>
+            <c:showSerName val="0"/>
+            <c:showPercent val="0"/>
+            <c:showBubbleSize val="0"/>
             <c:extLst>
               <c:ext xmlns:c15="http://schemas.microsoft.com/office/drawing/2012/chart" uri="{CE6537A1-D6FC-4f65-9D91-7224C49458BB}">
                 <c15:showLeaderLines val="1"/>
@@ -946,6 +988,7 @@
               </c:numCache>
             </c:numRef>
           </c:val>
+          <c:smooth val="0"/>
         </c:ser>
         <c:ser>
           <c:idx val="1"/>
@@ -1012,15 +1055,40 @@
                 </a:ln>
                 <a:effectLst/>
               </c:spPr>
+              <c:txPr>
+                <a:bodyPr rot="0" spcFirstLastPara="1" vertOverflow="ellipsis" vert="horz" wrap="square" lIns="38100" tIns="19050" rIns="38100" bIns="19050" anchor="ctr" anchorCtr="1">
+                  <a:spAutoFit/>
+                </a:bodyPr>
+                <a:lstStyle/>
+                <a:p>
+                  <a:pPr>
+                    <a:defRPr sz="1200" b="0" i="0" u="none" strike="noStrike" kern="1200" baseline="0">
+                      <a:solidFill>
+                        <a:schemeClr val="tx1">
+                          <a:lumMod val="75000"/>
+                          <a:lumOff val="25000"/>
+                        </a:schemeClr>
+                      </a:solidFill>
+                      <a:latin typeface="+mn-lt"/>
+                      <a:ea typeface="+mn-ea"/>
+                      <a:cs typeface="+mn-cs"/>
+                    </a:defRPr>
+                  </a:pPr>
+                  <a:endParaRPr lang="en-US"/>
+                </a:p>
+              </c:txPr>
+              <c:showLegendKey val="0"/>
               <c:showVal val="1"/>
+              <c:showCatName val="0"/>
+              <c:showSerName val="0"/>
+              <c:showPercent val="0"/>
+              <c:showBubbleSize val="0"/>
               <c:extLst>
                 <c:ext xmlns:c15="http://schemas.microsoft.com/office/drawing/2012/chart" uri="{CE6537A1-D6FC-4f65-9D91-7224C49458BB}">
-                  <c15:dlblFieldTable/>
-                  <c15:showDataLabelsRange val="0"/>
+                  <c15:layout/>
                 </c:ext>
               </c:extLst>
             </c:dLbl>
-            <c:delete val="1"/>
             <c:spPr>
               <a:noFill/>
               <a:ln>
@@ -1050,6 +1118,12 @@
                 <a:endParaRPr lang="en-US"/>
               </a:p>
             </c:txPr>
+            <c:showLegendKey val="0"/>
+            <c:showVal val="0"/>
+            <c:showCatName val="0"/>
+            <c:showSerName val="0"/>
+            <c:showPercent val="0"/>
+            <c:showBubbleSize val="0"/>
             <c:extLst>
               <c:ext xmlns:c15="http://schemas.microsoft.com/office/drawing/2012/chart" uri="{CE6537A1-D6FC-4f65-9D91-7224C49458BB}">
                 <c15:showLeaderLines val="1"/>
@@ -1694,6 +1768,7 @@
               </c:numCache>
             </c:numRef>
           </c:val>
+          <c:smooth val="0"/>
         </c:ser>
         <c:ser>
           <c:idx val="2"/>
@@ -1765,15 +1840,40 @@
                 </a:ln>
                 <a:effectLst/>
               </c:spPr>
+              <c:txPr>
+                <a:bodyPr rot="0" spcFirstLastPara="1" vertOverflow="ellipsis" vert="horz" wrap="square" lIns="38100" tIns="19050" rIns="38100" bIns="19050" anchor="ctr" anchorCtr="1">
+                  <a:spAutoFit/>
+                </a:bodyPr>
+                <a:lstStyle/>
+                <a:p>
+                  <a:pPr>
+                    <a:defRPr sz="1400" b="1" i="0" u="none" strike="noStrike" kern="1200" baseline="0">
+                      <a:solidFill>
+                        <a:schemeClr val="tx1">
+                          <a:lumMod val="75000"/>
+                          <a:lumOff val="25000"/>
+                        </a:schemeClr>
+                      </a:solidFill>
+                      <a:latin typeface="+mn-lt"/>
+                      <a:ea typeface="+mn-ea"/>
+                      <a:cs typeface="+mn-cs"/>
+                    </a:defRPr>
+                  </a:pPr>
+                  <a:endParaRPr lang="en-US"/>
+                </a:p>
+              </c:txPr>
+              <c:showLegendKey val="0"/>
               <c:showVal val="1"/>
+              <c:showCatName val="0"/>
+              <c:showSerName val="0"/>
+              <c:showPercent val="0"/>
+              <c:showBubbleSize val="0"/>
               <c:extLst>
                 <c:ext xmlns:c15="http://schemas.microsoft.com/office/drawing/2012/chart" uri="{CE6537A1-D6FC-4f65-9D91-7224C49458BB}">
-                  <c15:dlblFieldTable/>
-                  <c15:showDataLabelsRange val="0"/>
+                  <c15:layout/>
                 </c:ext>
               </c:extLst>
             </c:dLbl>
-            <c:delete val="1"/>
             <c:spPr>
               <a:noFill/>
               <a:ln>
@@ -1803,6 +1903,12 @@
                 <a:endParaRPr lang="en-US"/>
               </a:p>
             </c:txPr>
+            <c:showLegendKey val="0"/>
+            <c:showVal val="0"/>
+            <c:showCatName val="0"/>
+            <c:showSerName val="0"/>
+            <c:showPercent val="0"/>
+            <c:showBubbleSize val="0"/>
             <c:extLst>
               <c:ext xmlns:c15="http://schemas.microsoft.com/office/drawing/2012/chart" uri="{CE6537A1-D6FC-4f65-9D91-7224C49458BB}">
                 <c15:showLeaderLines val="1"/>
@@ -2447,6 +2553,7 @@
               </c:numCache>
             </c:numRef>
           </c:val>
+          <c:smooth val="0"/>
         </c:ser>
         <c:ser>
           <c:idx val="3"/>
@@ -2493,15 +2600,18 @@
                   </a:p>
                 </c:rich>
               </c:tx>
+              <c:showLegendKey val="0"/>
               <c:showVal val="1"/>
+              <c:showCatName val="0"/>
+              <c:showSerName val="0"/>
+              <c:showPercent val="0"/>
+              <c:showBubbleSize val="0"/>
               <c:extLst>
                 <c:ext xmlns:c15="http://schemas.microsoft.com/office/drawing/2012/chart" uri="{CE6537A1-D6FC-4f65-9D91-7224C49458BB}">
-                  <c15:dlblFieldTable/>
-                  <c15:showDataLabelsRange val="0"/>
+                  <c15:layout/>
                 </c:ext>
               </c:extLst>
             </c:dLbl>
-            <c:delete val="1"/>
             <c:spPr>
               <a:noFill/>
               <a:ln>
@@ -2531,6 +2641,12 @@
                 <a:endParaRPr lang="en-US"/>
               </a:p>
             </c:txPr>
+            <c:showLegendKey val="0"/>
+            <c:showVal val="0"/>
+            <c:showCatName val="0"/>
+            <c:showSerName val="0"/>
+            <c:showPercent val="0"/>
+            <c:showBubbleSize val="0"/>
             <c:extLst>
               <c:ext xmlns:c15="http://schemas.microsoft.com/office/drawing/2012/chart" uri="{CE6537A1-D6FC-4f65-9D91-7224C49458BB}">
                 <c15:showLeaderLines val="1"/>
@@ -3175,6 +3291,7 @@
               </c:numCache>
             </c:numRef>
           </c:val>
+          <c:smooth val="0"/>
         </c:ser>
         <c:ser>
           <c:idx val="4"/>
@@ -3219,15 +3336,18 @@
                   </a:p>
                 </c:rich>
               </c:tx>
+              <c:showLegendKey val="0"/>
               <c:showVal val="1"/>
+              <c:showCatName val="0"/>
+              <c:showSerName val="0"/>
+              <c:showPercent val="0"/>
+              <c:showBubbleSize val="0"/>
               <c:extLst>
                 <c:ext xmlns:c15="http://schemas.microsoft.com/office/drawing/2012/chart" uri="{CE6537A1-D6FC-4f65-9D91-7224C49458BB}">
-                  <c15:dlblFieldTable/>
-                  <c15:showDataLabelsRange val="0"/>
+                  <c15:layout/>
                 </c:ext>
               </c:extLst>
             </c:dLbl>
-            <c:delete val="1"/>
             <c:spPr>
               <a:noFill/>
               <a:ln>
@@ -3257,6 +3377,12 @@
                 <a:endParaRPr lang="en-US"/>
               </a:p>
             </c:txPr>
+            <c:showLegendKey val="0"/>
+            <c:showVal val="0"/>
+            <c:showCatName val="0"/>
+            <c:showSerName val="0"/>
+            <c:showPercent val="0"/>
+            <c:showBubbleSize val="0"/>
             <c:extLst>
               <c:ext xmlns:c15="http://schemas.microsoft.com/office/drawing/2012/chart" uri="{CE6537A1-D6FC-4f65-9D91-7224C49458BB}">
                 <c15:showLeaderLines val="1"/>
@@ -3901,6 +4027,7 @@
               </c:numCache>
             </c:numRef>
           </c:val>
+          <c:smooth val="0"/>
         </c:ser>
         <c:ser>
           <c:idx val="5"/>
@@ -3950,15 +4077,18 @@
                   </a:p>
                 </c:rich>
               </c:tx>
+              <c:showLegendKey val="0"/>
               <c:showVal val="1"/>
+              <c:showCatName val="0"/>
+              <c:showSerName val="0"/>
+              <c:showPercent val="0"/>
+              <c:showBubbleSize val="0"/>
               <c:extLst>
                 <c:ext xmlns:c15="http://schemas.microsoft.com/office/drawing/2012/chart" uri="{CE6537A1-D6FC-4f65-9D91-7224C49458BB}">
-                  <c15:dlblFieldTable/>
-                  <c15:showDataLabelsRange val="0"/>
+                  <c15:layout/>
                 </c:ext>
               </c:extLst>
             </c:dLbl>
-            <c:delete val="1"/>
             <c:spPr>
               <a:noFill/>
               <a:ln>
@@ -3988,6 +4118,12 @@
                 <a:endParaRPr lang="en-US"/>
               </a:p>
             </c:txPr>
+            <c:showLegendKey val="0"/>
+            <c:showVal val="0"/>
+            <c:showCatName val="0"/>
+            <c:showSerName val="0"/>
+            <c:showPercent val="0"/>
+            <c:showBubbleSize val="0"/>
             <c:extLst>
               <c:ext xmlns:c15="http://schemas.microsoft.com/office/drawing/2012/chart" uri="{CE6537A1-D6FC-4f65-9D91-7224C49458BB}">
                 <c15:showLeaderLines val="1"/>
@@ -4632,6 +4768,7 @@
               </c:numCache>
             </c:numRef>
           </c:val>
+          <c:smooth val="0"/>
         </c:ser>
         <c:ser>
           <c:idx val="6"/>
@@ -4683,15 +4820,18 @@
                   </a:p>
                 </c:rich>
               </c:tx>
+              <c:showLegendKey val="0"/>
               <c:showVal val="1"/>
+              <c:showCatName val="0"/>
+              <c:showSerName val="0"/>
+              <c:showPercent val="0"/>
+              <c:showBubbleSize val="0"/>
               <c:extLst>
                 <c:ext xmlns:c15="http://schemas.microsoft.com/office/drawing/2012/chart" uri="{CE6537A1-D6FC-4f65-9D91-7224C49458BB}">
-                  <c15:dlblFieldTable/>
-                  <c15:showDataLabelsRange val="0"/>
+                  <c15:layout/>
                 </c:ext>
               </c:extLst>
             </c:dLbl>
-            <c:delete val="1"/>
             <c:spPr>
               <a:noFill/>
               <a:ln>
@@ -4721,6 +4861,12 @@
                 <a:endParaRPr lang="en-US"/>
               </a:p>
             </c:txPr>
+            <c:showLegendKey val="0"/>
+            <c:showVal val="0"/>
+            <c:showCatName val="0"/>
+            <c:showSerName val="0"/>
+            <c:showPercent val="0"/>
+            <c:showBubbleSize val="0"/>
             <c:extLst>
               <c:ext xmlns:c15="http://schemas.microsoft.com/office/drawing/2012/chart" uri="{CE6537A1-D6FC-4f65-9D91-7224C49458BB}">
                 <c15:showLeaderLines val="1"/>
@@ -5365,6 +5511,7 @@
               </c:numCache>
             </c:numRef>
           </c:val>
+          <c:smooth val="0"/>
         </c:ser>
         <c:ser>
           <c:idx val="7"/>
@@ -5416,15 +5563,18 @@
                   </a:p>
                 </c:rich>
               </c:tx>
+              <c:showLegendKey val="0"/>
               <c:showVal val="1"/>
+              <c:showCatName val="0"/>
+              <c:showSerName val="0"/>
+              <c:showPercent val="0"/>
+              <c:showBubbleSize val="0"/>
               <c:extLst>
                 <c:ext xmlns:c15="http://schemas.microsoft.com/office/drawing/2012/chart" uri="{CE6537A1-D6FC-4f65-9D91-7224C49458BB}">
-                  <c15:dlblFieldTable/>
-                  <c15:showDataLabelsRange val="0"/>
+                  <c15:layout/>
                 </c:ext>
               </c:extLst>
             </c:dLbl>
-            <c:delete val="1"/>
             <c:spPr>
               <a:noFill/>
               <a:ln>
@@ -5454,6 +5604,12 @@
                 <a:endParaRPr lang="en-US"/>
               </a:p>
             </c:txPr>
+            <c:showLegendKey val="0"/>
+            <c:showVal val="0"/>
+            <c:showCatName val="0"/>
+            <c:showSerName val="0"/>
+            <c:showPercent val="0"/>
+            <c:showBubbleSize val="0"/>
             <c:extLst>
               <c:ext xmlns:c15="http://schemas.microsoft.com/office/drawing/2012/chart" uri="{CE6537A1-D6FC-4f65-9D91-7224C49458BB}">
                 <c15:showLeaderLines val="1"/>
@@ -6098,6 +6254,7 @@
               </c:numCache>
             </c:numRef>
           </c:val>
+          <c:smooth val="0"/>
         </c:ser>
         <c:ser>
           <c:idx val="8"/>
@@ -6149,15 +6306,18 @@
                   </a:p>
                 </c:rich>
               </c:tx>
+              <c:showLegendKey val="0"/>
               <c:showVal val="1"/>
+              <c:showCatName val="0"/>
+              <c:showSerName val="0"/>
+              <c:showPercent val="0"/>
+              <c:showBubbleSize val="0"/>
               <c:extLst>
                 <c:ext xmlns:c15="http://schemas.microsoft.com/office/drawing/2012/chart" uri="{CE6537A1-D6FC-4f65-9D91-7224C49458BB}">
-                  <c15:dlblFieldTable/>
-                  <c15:showDataLabelsRange val="0"/>
+                  <c15:layout/>
                 </c:ext>
               </c:extLst>
             </c:dLbl>
-            <c:delete val="1"/>
             <c:spPr>
               <a:noFill/>
               <a:ln>
@@ -6187,6 +6347,12 @@
                 <a:endParaRPr lang="en-US"/>
               </a:p>
             </c:txPr>
+            <c:showLegendKey val="0"/>
+            <c:showVal val="0"/>
+            <c:showCatName val="0"/>
+            <c:showSerName val="0"/>
+            <c:showPercent val="0"/>
+            <c:showBubbleSize val="0"/>
             <c:extLst>
               <c:ext xmlns:c15="http://schemas.microsoft.com/office/drawing/2012/chart" uri="{CE6537A1-D6FC-4f65-9D91-7224C49458BB}">
                 <c15:showLeaderLines val="1"/>
@@ -6831,6 +6997,7 @@
               </c:numCache>
             </c:numRef>
           </c:val>
+          <c:smooth val="0"/>
         </c:ser>
         <c:ser>
           <c:idx val="9"/>
@@ -6882,15 +7049,18 @@
                   </a:p>
                 </c:rich>
               </c:tx>
+              <c:showLegendKey val="0"/>
               <c:showVal val="1"/>
+              <c:showCatName val="0"/>
+              <c:showSerName val="0"/>
+              <c:showPercent val="0"/>
+              <c:showBubbleSize val="0"/>
               <c:extLst>
                 <c:ext xmlns:c15="http://schemas.microsoft.com/office/drawing/2012/chart" uri="{CE6537A1-D6FC-4f65-9D91-7224C49458BB}">
-                  <c15:dlblFieldTable/>
-                  <c15:showDataLabelsRange val="0"/>
+                  <c15:layout/>
                 </c:ext>
               </c:extLst>
             </c:dLbl>
-            <c:delete val="1"/>
             <c:spPr>
               <a:noFill/>
               <a:ln>
@@ -6920,6 +7090,12 @@
                 <a:endParaRPr lang="en-US"/>
               </a:p>
             </c:txPr>
+            <c:showLegendKey val="0"/>
+            <c:showVal val="0"/>
+            <c:showCatName val="0"/>
+            <c:showSerName val="0"/>
+            <c:showPercent val="0"/>
+            <c:showBubbleSize val="0"/>
             <c:extLst>
               <c:ext xmlns:c15="http://schemas.microsoft.com/office/drawing/2012/chart" uri="{CE6537A1-D6FC-4f65-9D91-7224C49458BB}">
                 <c15:showLeaderLines val="1"/>
@@ -7564,6 +7740,7 @@
               </c:numCache>
             </c:numRef>
           </c:val>
+          <c:smooth val="0"/>
         </c:ser>
         <c:ser>
           <c:idx val="10"/>
@@ -7637,15 +7814,40 @@
                 </a:ln>
                 <a:effectLst/>
               </c:spPr>
+              <c:txPr>
+                <a:bodyPr rot="0" spcFirstLastPara="1" vertOverflow="ellipsis" vert="horz" wrap="square" lIns="38100" tIns="19050" rIns="38100" bIns="19050" anchor="ctr" anchorCtr="1">
+                  <a:spAutoFit/>
+                </a:bodyPr>
+                <a:lstStyle/>
+                <a:p>
+                  <a:pPr>
+                    <a:defRPr sz="1200" b="0" i="0" u="none" strike="noStrike" kern="1200" baseline="0">
+                      <a:solidFill>
+                        <a:schemeClr val="tx1">
+                          <a:lumMod val="75000"/>
+                          <a:lumOff val="25000"/>
+                        </a:schemeClr>
+                      </a:solidFill>
+                      <a:latin typeface="+mn-lt"/>
+                      <a:ea typeface="+mn-ea"/>
+                      <a:cs typeface="+mn-cs"/>
+                    </a:defRPr>
+                  </a:pPr>
+                  <a:endParaRPr lang="en-US"/>
+                </a:p>
+              </c:txPr>
+              <c:showLegendKey val="0"/>
               <c:showVal val="1"/>
+              <c:showCatName val="0"/>
+              <c:showSerName val="0"/>
+              <c:showPercent val="0"/>
+              <c:showBubbleSize val="0"/>
               <c:extLst>
                 <c:ext xmlns:c15="http://schemas.microsoft.com/office/drawing/2012/chart" uri="{CE6537A1-D6FC-4f65-9D91-7224C49458BB}">
-                  <c15:dlblFieldTable/>
-                  <c15:showDataLabelsRange val="0"/>
+                  <c15:layout/>
                 </c:ext>
               </c:extLst>
             </c:dLbl>
-            <c:delete val="1"/>
             <c:spPr>
               <a:noFill/>
               <a:ln>
@@ -7675,6 +7877,12 @@
                 <a:endParaRPr lang="en-US"/>
               </a:p>
             </c:txPr>
+            <c:showLegendKey val="0"/>
+            <c:showVal val="0"/>
+            <c:showCatName val="0"/>
+            <c:showSerName val="0"/>
+            <c:showPercent val="0"/>
+            <c:showBubbleSize val="0"/>
             <c:extLst>
               <c:ext xmlns:c15="http://schemas.microsoft.com/office/drawing/2012/chart" uri="{CE6537A1-D6FC-4f65-9D91-7224C49458BB}">
                 <c15:showLeaderLines val="1"/>
@@ -8319,19 +8527,30 @@
               </c:numCache>
             </c:numRef>
           </c:val>
+          <c:smooth val="0"/>
         </c:ser>
-        <c:marker val="1"/>
-        <c:axId val="58222080"/>
-        <c:axId val="58223616"/>
+        <c:dLbls>
+          <c:showLegendKey val="0"/>
+          <c:showVal val="0"/>
+          <c:showCatName val="0"/>
+          <c:showSerName val="0"/>
+          <c:showPercent val="0"/>
+          <c:showBubbleSize val="0"/>
+        </c:dLbls>
+        <c:smooth val="0"/>
+        <c:axId val="190854064"/>
+        <c:axId val="190854624"/>
       </c:lineChart>
       <c:catAx>
-        <c:axId val="58222080"/>
+        <c:axId val="190854064"/>
         <c:scaling>
           <c:orientation val="minMax"/>
         </c:scaling>
+        <c:delete val="0"/>
         <c:axPos val="b"/>
         <c:numFmt formatCode="General" sourceLinked="1"/>
         <c:majorTickMark val="none"/>
+        <c:minorTickMark val="none"/>
         <c:tickLblPos val="nextTo"/>
         <c:spPr>
           <a:noFill/>
@@ -8366,18 +8585,20 @@
             <a:endParaRPr lang="en-US"/>
           </a:p>
         </c:txPr>
-        <c:crossAx val="58223616"/>
+        <c:crossAx val="190854624"/>
         <c:crosses val="autoZero"/>
         <c:auto val="1"/>
         <c:lblAlgn val="ctr"/>
         <c:lblOffset val="100"/>
         <c:tickLblSkip val="10"/>
+        <c:noMultiLvlLbl val="0"/>
       </c:catAx>
       <c:valAx>
-        <c:axId val="58223616"/>
+        <c:axId val="190854624"/>
         <c:scaling>
           <c:orientation val="minMax"/>
         </c:scaling>
+        <c:delete val="0"/>
         <c:axPos val="l"/>
         <c:majorGridlines>
           <c:spPr>
@@ -8390,6 +8611,7 @@
         </c:majorGridlines>
         <c:numFmt formatCode="0.00E+00" sourceLinked="1"/>
         <c:majorTickMark val="none"/>
+        <c:minorTickMark val="none"/>
         <c:tickLblPos val="nextTo"/>
         <c:spPr>
           <a:noFill/>
@@ -8422,7 +8644,7 @@
             <a:endParaRPr lang="en-US"/>
           </a:p>
         </c:txPr>
-        <c:crossAx val="58222080"/>
+        <c:crossAx val="190854064"/>
         <c:crosses val="autoZero"/>
         <c:crossBetween val="between"/>
       </c:valAx>
@@ -8436,6 +8658,7 @@
     </c:plotArea>
     <c:plotVisOnly val="1"/>
     <c:dispBlanksAs val="gap"/>
+    <c:showDLblsOverMax val="0"/>
   </c:chart>
   <c:spPr>
     <a:noFill/>
@@ -8454,14 +8677,25 @@
       <a:endParaRPr lang="en-US"/>
     </a:p>
   </c:txPr>
-  <c:externalData r:id="rId2"/>
+  <c:externalData r:id="rId4">
+    <c:autoUpdate val="0"/>
+  </c:externalData>
 </c:chartSpace>
 </file>
 
 <file path=ppt/charts/chart2.xml><?xml version="1.0" encoding="utf-8"?>
 <c:chartSpace xmlns:c="http://schemas.openxmlformats.org/drawingml/2006/chart" xmlns:a="http://schemas.openxmlformats.org/drawingml/2006/main" xmlns:r="http://schemas.openxmlformats.org/officeDocument/2006/relationships">
-  <c:date1904 val="1"/>
+  <c:date1904 val="0"/>
   <c:lang val="en-US"/>
+  <c:roundedCorners val="0"/>
+  <mc:AlternateContent xmlns:mc="http://schemas.openxmlformats.org/markup-compatibility/2006">
+    <mc:Choice xmlns:c14="http://schemas.microsoft.com/office/drawing/2007/8/2/chart" Requires="c14">
+      <c14:style val="102"/>
+    </mc:Choice>
+    <mc:Fallback>
+      <c:style val="2"/>
+    </mc:Fallback>
+  </mc:AlternateContent>
   <c:clrMapOvr bg1="lt1" tx1="dk1" bg2="lt2" tx2="dk2" accent1="accent1" accent2="accent2" accent3="accent3" accent4="accent4" accent5="accent5" accent6="accent6" hlink="hlink" folHlink="folHlink"/>
   <c:chart>
     <c:autoTitleDeleted val="1"/>
@@ -8479,6 +8713,7 @@
       </c:layout>
       <c:lineChart>
         <c:grouping val="standard"/>
+        <c:varyColors val="0"/>
         <c:ser>
           <c:idx val="0"/>
           <c:order val="0"/>
@@ -8549,15 +8784,40 @@
                 </a:ln>
                 <a:effectLst/>
               </c:spPr>
+              <c:txPr>
+                <a:bodyPr rot="0" spcFirstLastPara="1" vertOverflow="ellipsis" vert="horz" wrap="square" lIns="38100" tIns="19050" rIns="38100" bIns="19050" anchor="ctr" anchorCtr="1">
+                  <a:spAutoFit/>
+                </a:bodyPr>
+                <a:lstStyle/>
+                <a:p>
+                  <a:pPr>
+                    <a:defRPr sz="1200" b="0" i="0" u="none" strike="noStrike" kern="1200" baseline="0">
+                      <a:solidFill>
+                        <a:schemeClr val="tx1">
+                          <a:lumMod val="75000"/>
+                          <a:lumOff val="25000"/>
+                        </a:schemeClr>
+                      </a:solidFill>
+                      <a:latin typeface="+mn-lt"/>
+                      <a:ea typeface="+mn-ea"/>
+                      <a:cs typeface="+mn-cs"/>
+                    </a:defRPr>
+                  </a:pPr>
+                  <a:endParaRPr lang="en-US"/>
+                </a:p>
+              </c:txPr>
+              <c:showLegendKey val="0"/>
               <c:showVal val="1"/>
+              <c:showCatName val="0"/>
+              <c:showSerName val="0"/>
+              <c:showPercent val="0"/>
+              <c:showBubbleSize val="0"/>
               <c:extLst>
                 <c:ext xmlns:c15="http://schemas.microsoft.com/office/drawing/2012/chart" uri="{CE6537A1-D6FC-4f65-9D91-7224C49458BB}">
-                  <c15:dlblFieldTable/>
-                  <c15:showDataLabelsRange val="0"/>
+                  <c15:layout/>
                 </c:ext>
               </c:extLst>
             </c:dLbl>
-            <c:delete val="1"/>
             <c:spPr>
               <a:noFill/>
               <a:ln>
@@ -8587,6 +8847,12 @@
                 <a:endParaRPr lang="en-US"/>
               </a:p>
             </c:txPr>
+            <c:showLegendKey val="0"/>
+            <c:showVal val="0"/>
+            <c:showCatName val="0"/>
+            <c:showSerName val="0"/>
+            <c:showPercent val="0"/>
+            <c:showBubbleSize val="0"/>
             <c:extLst>
               <c:ext xmlns:c15="http://schemas.microsoft.com/office/drawing/2012/chart" uri="{CE6537A1-D6FC-4f65-9D91-7224C49458BB}">
                 <c15:showLeaderLines val="1"/>
@@ -9231,6 +9497,7 @@
               </c:numCache>
             </c:numRef>
           </c:val>
+          <c:smooth val="0"/>
         </c:ser>
         <c:ser>
           <c:idx val="1"/>
@@ -9279,12 +9546,18 @@
                   </a:p>
                 </c:rich>
               </c:tx>
+              <c:showLegendKey val="0"/>
               <c:showVal val="1"/>
+              <c:showCatName val="0"/>
+              <c:showSerName val="0"/>
+              <c:showPercent val="0"/>
+              <c:showBubbleSize val="0"/>
               <c:extLst>
-                <c:ext xmlns:c15="http://schemas.microsoft.com/office/drawing/2012/chart" uri="{CE6537A1-D6FC-4f65-9D91-7224C49458BB}"/>
+                <c:ext xmlns:c15="http://schemas.microsoft.com/office/drawing/2012/chart" uri="{CE6537A1-D6FC-4f65-9D91-7224C49458BB}">
+                  <c15:layout/>
+                </c:ext>
               </c:extLst>
             </c:dLbl>
-            <c:delete val="1"/>
             <c:spPr>
               <a:noFill/>
               <a:ln>
@@ -9314,6 +9587,12 @@
                 <a:endParaRPr lang="en-US"/>
               </a:p>
             </c:txPr>
+            <c:showLegendKey val="0"/>
+            <c:showVal val="0"/>
+            <c:showCatName val="0"/>
+            <c:showSerName val="0"/>
+            <c:showPercent val="0"/>
+            <c:showBubbleSize val="0"/>
             <c:extLst>
               <c:ext xmlns:c15="http://schemas.microsoft.com/office/drawing/2012/chart" uri="{CE6537A1-D6FC-4f65-9D91-7224C49458BB}">
                 <c15:showLeaderLines val="1"/>
@@ -9958,6 +10237,7 @@
               </c:numCache>
             </c:numRef>
           </c:val>
+          <c:smooth val="0"/>
         </c:ser>
         <c:ser>
           <c:idx val="2"/>
@@ -10029,15 +10309,40 @@
                 </a:ln>
                 <a:effectLst/>
               </c:spPr>
+              <c:txPr>
+                <a:bodyPr rot="0" spcFirstLastPara="1" vertOverflow="ellipsis" vert="horz" wrap="square" lIns="38100" tIns="19050" rIns="38100" bIns="19050" anchor="ctr" anchorCtr="1">
+                  <a:spAutoFit/>
+                </a:bodyPr>
+                <a:lstStyle/>
+                <a:p>
+                  <a:pPr>
+                    <a:defRPr sz="1400" b="1" i="0" u="none" strike="noStrike" kern="1200" baseline="0">
+                      <a:solidFill>
+                        <a:schemeClr val="tx1">
+                          <a:lumMod val="75000"/>
+                          <a:lumOff val="25000"/>
+                        </a:schemeClr>
+                      </a:solidFill>
+                      <a:latin typeface="+mn-lt"/>
+                      <a:ea typeface="+mn-ea"/>
+                      <a:cs typeface="+mn-cs"/>
+                    </a:defRPr>
+                  </a:pPr>
+                  <a:endParaRPr lang="en-US"/>
+                </a:p>
+              </c:txPr>
+              <c:showLegendKey val="0"/>
               <c:showVal val="1"/>
+              <c:showCatName val="0"/>
+              <c:showSerName val="0"/>
+              <c:showPercent val="0"/>
+              <c:showBubbleSize val="0"/>
               <c:extLst>
                 <c:ext xmlns:c15="http://schemas.microsoft.com/office/drawing/2012/chart" uri="{CE6537A1-D6FC-4f65-9D91-7224C49458BB}">
-                  <c15:dlblFieldTable/>
-                  <c15:showDataLabelsRange val="0"/>
+                  <c15:layout/>
                 </c:ext>
               </c:extLst>
             </c:dLbl>
-            <c:delete val="1"/>
             <c:spPr>
               <a:noFill/>
               <a:ln>
@@ -10067,6 +10372,12 @@
                 <a:endParaRPr lang="en-US"/>
               </a:p>
             </c:txPr>
+            <c:showLegendKey val="0"/>
+            <c:showVal val="0"/>
+            <c:showCatName val="0"/>
+            <c:showSerName val="0"/>
+            <c:showPercent val="0"/>
+            <c:showBubbleSize val="0"/>
             <c:extLst>
               <c:ext xmlns:c15="http://schemas.microsoft.com/office/drawing/2012/chart" uri="{CE6537A1-D6FC-4f65-9D91-7224C49458BB}">
                 <c15:showLeaderLines val="1"/>
@@ -10711,6 +11022,7 @@
               </c:numCache>
             </c:numRef>
           </c:val>
+          <c:smooth val="0"/>
         </c:ser>
         <c:ser>
           <c:idx val="3"/>
@@ -10783,12 +11095,40 @@
                 </a:ln>
                 <a:effectLst/>
               </c:spPr>
+              <c:txPr>
+                <a:bodyPr rot="0" spcFirstLastPara="1" vertOverflow="ellipsis" vert="horz" wrap="square" lIns="38100" tIns="19050" rIns="38100" bIns="19050" anchor="ctr" anchorCtr="1">
+                  <a:spAutoFit/>
+                </a:bodyPr>
+                <a:lstStyle/>
+                <a:p>
+                  <a:pPr>
+                    <a:defRPr sz="1200" b="0" i="0" u="none" strike="noStrike" kern="1200" baseline="0">
+                      <a:solidFill>
+                        <a:schemeClr val="tx1">
+                          <a:lumMod val="75000"/>
+                          <a:lumOff val="25000"/>
+                        </a:schemeClr>
+                      </a:solidFill>
+                      <a:latin typeface="+mn-lt"/>
+                      <a:ea typeface="+mn-ea"/>
+                      <a:cs typeface="+mn-cs"/>
+                    </a:defRPr>
+                  </a:pPr>
+                  <a:endParaRPr lang="en-US"/>
+                </a:p>
+              </c:txPr>
+              <c:showLegendKey val="0"/>
               <c:showVal val="1"/>
+              <c:showCatName val="0"/>
+              <c:showSerName val="0"/>
+              <c:showPercent val="0"/>
+              <c:showBubbleSize val="0"/>
               <c:extLst>
-                <c:ext xmlns:c15="http://schemas.microsoft.com/office/drawing/2012/chart" uri="{CE6537A1-D6FC-4f65-9D91-7224C49458BB}"/>
+                <c:ext xmlns:c15="http://schemas.microsoft.com/office/drawing/2012/chart" uri="{CE6537A1-D6FC-4f65-9D91-7224C49458BB}">
+                  <c15:layout/>
+                </c:ext>
               </c:extLst>
             </c:dLbl>
-            <c:delete val="1"/>
             <c:spPr>
               <a:noFill/>
               <a:ln>
@@ -10818,6 +11158,12 @@
                 <a:endParaRPr lang="en-US"/>
               </a:p>
             </c:txPr>
+            <c:showLegendKey val="0"/>
+            <c:showVal val="0"/>
+            <c:showCatName val="0"/>
+            <c:showSerName val="0"/>
+            <c:showPercent val="0"/>
+            <c:showBubbleSize val="0"/>
             <c:extLst>
               <c:ext xmlns:c15="http://schemas.microsoft.com/office/drawing/2012/chart" uri="{CE6537A1-D6FC-4f65-9D91-7224C49458BB}">
                 <c15:showLeaderLines val="1"/>
@@ -11462,6 +11808,7 @@
               </c:numCache>
             </c:numRef>
           </c:val>
+          <c:smooth val="0"/>
         </c:ser>
         <c:ser>
           <c:idx val="4"/>
@@ -11510,12 +11857,18 @@
                   </a:p>
                 </c:rich>
               </c:tx>
+              <c:showLegendKey val="0"/>
               <c:showVal val="1"/>
+              <c:showCatName val="0"/>
+              <c:showSerName val="0"/>
+              <c:showPercent val="0"/>
+              <c:showBubbleSize val="0"/>
               <c:extLst>
-                <c:ext xmlns:c15="http://schemas.microsoft.com/office/drawing/2012/chart" uri="{CE6537A1-D6FC-4f65-9D91-7224C49458BB}"/>
+                <c:ext xmlns:c15="http://schemas.microsoft.com/office/drawing/2012/chart" uri="{CE6537A1-D6FC-4f65-9D91-7224C49458BB}">
+                  <c15:layout/>
+                </c:ext>
               </c:extLst>
             </c:dLbl>
-            <c:delete val="1"/>
             <c:spPr>
               <a:noFill/>
               <a:ln>
@@ -11545,6 +11898,12 @@
                 <a:endParaRPr lang="en-US"/>
               </a:p>
             </c:txPr>
+            <c:showLegendKey val="0"/>
+            <c:showVal val="0"/>
+            <c:showCatName val="0"/>
+            <c:showSerName val="0"/>
+            <c:showPercent val="0"/>
+            <c:showBubbleSize val="0"/>
             <c:extLst>
               <c:ext xmlns:c15="http://schemas.microsoft.com/office/drawing/2012/chart" uri="{CE6537A1-D6FC-4f65-9D91-7224C49458BB}">
                 <c15:showLeaderLines val="1"/>
@@ -12189,6 +12548,7 @@
               </c:numCache>
             </c:numRef>
           </c:val>
+          <c:smooth val="0"/>
         </c:ser>
         <c:ser>
           <c:idx val="5"/>
@@ -12259,12 +12619,40 @@
                 </a:ln>
                 <a:effectLst/>
               </c:spPr>
+              <c:txPr>
+                <a:bodyPr rot="0" spcFirstLastPara="1" vertOverflow="ellipsis" vert="horz" wrap="square" lIns="38100" tIns="19050" rIns="38100" bIns="19050" anchor="ctr" anchorCtr="1">
+                  <a:spAutoFit/>
+                </a:bodyPr>
+                <a:lstStyle/>
+                <a:p>
+                  <a:pPr>
+                    <a:defRPr sz="1200" b="0" i="0" u="none" strike="noStrike" kern="1200" baseline="0">
+                      <a:solidFill>
+                        <a:schemeClr val="tx1">
+                          <a:lumMod val="75000"/>
+                          <a:lumOff val="25000"/>
+                        </a:schemeClr>
+                      </a:solidFill>
+                      <a:latin typeface="+mn-lt"/>
+                      <a:ea typeface="+mn-ea"/>
+                      <a:cs typeface="+mn-cs"/>
+                    </a:defRPr>
+                  </a:pPr>
+                  <a:endParaRPr lang="en-US"/>
+                </a:p>
+              </c:txPr>
+              <c:showLegendKey val="0"/>
               <c:showVal val="1"/>
+              <c:showCatName val="0"/>
+              <c:showSerName val="0"/>
+              <c:showPercent val="0"/>
+              <c:showBubbleSize val="0"/>
               <c:extLst>
-                <c:ext xmlns:c15="http://schemas.microsoft.com/office/drawing/2012/chart" uri="{CE6537A1-D6FC-4f65-9D91-7224C49458BB}"/>
+                <c:ext xmlns:c15="http://schemas.microsoft.com/office/drawing/2012/chart" uri="{CE6537A1-D6FC-4f65-9D91-7224C49458BB}">
+                  <c15:layout/>
+                </c:ext>
               </c:extLst>
             </c:dLbl>
-            <c:delete val="1"/>
             <c:spPr>
               <a:noFill/>
               <a:ln>
@@ -12294,6 +12682,12 @@
                 <a:endParaRPr lang="en-US"/>
               </a:p>
             </c:txPr>
+            <c:showLegendKey val="0"/>
+            <c:showVal val="0"/>
+            <c:showCatName val="0"/>
+            <c:showSerName val="0"/>
+            <c:showPercent val="0"/>
+            <c:showBubbleSize val="0"/>
             <c:extLst>
               <c:ext xmlns:c15="http://schemas.microsoft.com/office/drawing/2012/chart" uri="{CE6537A1-D6FC-4f65-9D91-7224C49458BB}">
                 <c15:showLeaderLines val="1"/>
@@ -12938,6 +13332,7 @@
               </c:numCache>
             </c:numRef>
           </c:val>
+          <c:smooth val="0"/>
         </c:ser>
         <c:ser>
           <c:idx val="6"/>
@@ -13010,12 +13405,40 @@
                 </a:ln>
                 <a:effectLst/>
               </c:spPr>
+              <c:txPr>
+                <a:bodyPr rot="0" spcFirstLastPara="1" vertOverflow="ellipsis" vert="horz" wrap="square" lIns="38100" tIns="19050" rIns="38100" bIns="19050" anchor="ctr" anchorCtr="1">
+                  <a:spAutoFit/>
+                </a:bodyPr>
+                <a:lstStyle/>
+                <a:p>
+                  <a:pPr>
+                    <a:defRPr sz="1200" b="0" i="0" u="none" strike="noStrike" kern="1200" baseline="0">
+                      <a:solidFill>
+                        <a:schemeClr val="tx1">
+                          <a:lumMod val="75000"/>
+                          <a:lumOff val="25000"/>
+                        </a:schemeClr>
+                      </a:solidFill>
+                      <a:latin typeface="+mn-lt"/>
+                      <a:ea typeface="+mn-ea"/>
+                      <a:cs typeface="+mn-cs"/>
+                    </a:defRPr>
+                  </a:pPr>
+                  <a:endParaRPr lang="en-US"/>
+                </a:p>
+              </c:txPr>
+              <c:showLegendKey val="0"/>
               <c:showVal val="1"/>
+              <c:showCatName val="0"/>
+              <c:showSerName val="0"/>
+              <c:showPercent val="0"/>
+              <c:showBubbleSize val="0"/>
               <c:extLst>
-                <c:ext xmlns:c15="http://schemas.microsoft.com/office/drawing/2012/chart" uri="{CE6537A1-D6FC-4f65-9D91-7224C49458BB}"/>
+                <c:ext xmlns:c15="http://schemas.microsoft.com/office/drawing/2012/chart" uri="{CE6537A1-D6FC-4f65-9D91-7224C49458BB}">
+                  <c15:layout/>
+                </c:ext>
               </c:extLst>
             </c:dLbl>
-            <c:delete val="1"/>
             <c:spPr>
               <a:noFill/>
               <a:ln>
@@ -13045,6 +13468,12 @@
                 <a:endParaRPr lang="en-US"/>
               </a:p>
             </c:txPr>
+            <c:showLegendKey val="0"/>
+            <c:showVal val="0"/>
+            <c:showCatName val="0"/>
+            <c:showSerName val="0"/>
+            <c:showPercent val="0"/>
+            <c:showBubbleSize val="0"/>
             <c:extLst>
               <c:ext xmlns:c15="http://schemas.microsoft.com/office/drawing/2012/chart" uri="{CE6537A1-D6FC-4f65-9D91-7224C49458BB}">
                 <c15:showLeaderLines val="1"/>
@@ -13689,6 +14118,7 @@
               </c:numCache>
             </c:numRef>
           </c:val>
+          <c:smooth val="0"/>
         </c:ser>
         <c:ser>
           <c:idx val="7"/>
@@ -13762,15 +14192,40 @@
                 </a:ln>
                 <a:effectLst/>
               </c:spPr>
+              <c:txPr>
+                <a:bodyPr rot="0" spcFirstLastPara="1" vertOverflow="ellipsis" vert="horz" wrap="square" lIns="38100" tIns="19050" rIns="38100" bIns="19050" anchor="ctr" anchorCtr="1">
+                  <a:spAutoFit/>
+                </a:bodyPr>
+                <a:lstStyle/>
+                <a:p>
+                  <a:pPr>
+                    <a:defRPr sz="1200" b="0" i="0" u="none" strike="noStrike" kern="1200" baseline="0">
+                      <a:solidFill>
+                        <a:schemeClr val="tx1">
+                          <a:lumMod val="75000"/>
+                          <a:lumOff val="25000"/>
+                        </a:schemeClr>
+                      </a:solidFill>
+                      <a:latin typeface="+mn-lt"/>
+                      <a:ea typeface="+mn-ea"/>
+                      <a:cs typeface="+mn-cs"/>
+                    </a:defRPr>
+                  </a:pPr>
+                  <a:endParaRPr lang="en-US"/>
+                </a:p>
+              </c:txPr>
+              <c:showLegendKey val="0"/>
               <c:showVal val="1"/>
+              <c:showCatName val="0"/>
+              <c:showSerName val="0"/>
+              <c:showPercent val="0"/>
+              <c:showBubbleSize val="0"/>
               <c:extLst>
                 <c:ext xmlns:c15="http://schemas.microsoft.com/office/drawing/2012/chart" uri="{CE6537A1-D6FC-4f65-9D91-7224C49458BB}">
-                  <c15:dlblFieldTable/>
-                  <c15:showDataLabelsRange val="0"/>
+                  <c15:layout/>
                 </c:ext>
               </c:extLst>
             </c:dLbl>
-            <c:delete val="1"/>
             <c:spPr>
               <a:noFill/>
               <a:ln>
@@ -13800,6 +14255,12 @@
                 <a:endParaRPr lang="en-US"/>
               </a:p>
             </c:txPr>
+            <c:showLegendKey val="0"/>
+            <c:showVal val="0"/>
+            <c:showCatName val="0"/>
+            <c:showSerName val="0"/>
+            <c:showPercent val="0"/>
+            <c:showBubbleSize val="0"/>
             <c:extLst>
               <c:ext xmlns:c15="http://schemas.microsoft.com/office/drawing/2012/chart" uri="{CE6537A1-D6FC-4f65-9D91-7224C49458BB}">
                 <c15:showLeaderLines val="1"/>
@@ -14444,19 +14905,30 @@
               </c:numCache>
             </c:numRef>
           </c:val>
+          <c:smooth val="0"/>
         </c:ser>
-        <c:marker val="1"/>
-        <c:axId val="65142784"/>
-        <c:axId val="65144704"/>
+        <c:dLbls>
+          <c:showLegendKey val="0"/>
+          <c:showVal val="0"/>
+          <c:showCatName val="0"/>
+          <c:showSerName val="0"/>
+          <c:showPercent val="0"/>
+          <c:showBubbleSize val="0"/>
+        </c:dLbls>
+        <c:smooth val="0"/>
+        <c:axId val="260261344"/>
+        <c:axId val="260261904"/>
       </c:lineChart>
       <c:catAx>
-        <c:axId val="65142784"/>
+        <c:axId val="260261344"/>
         <c:scaling>
           <c:orientation val="minMax"/>
         </c:scaling>
+        <c:delete val="0"/>
         <c:axPos val="b"/>
         <c:numFmt formatCode="General" sourceLinked="1"/>
         <c:majorTickMark val="none"/>
+        <c:minorTickMark val="none"/>
         <c:tickLblPos val="nextTo"/>
         <c:spPr>
           <a:noFill/>
@@ -14491,18 +14963,20 @@
             <a:endParaRPr lang="en-US"/>
           </a:p>
         </c:txPr>
-        <c:crossAx val="65144704"/>
+        <c:crossAx val="260261904"/>
         <c:crosses val="autoZero"/>
         <c:auto val="1"/>
         <c:lblAlgn val="ctr"/>
         <c:lblOffset val="100"/>
         <c:tickLblSkip val="10"/>
+        <c:noMultiLvlLbl val="0"/>
       </c:catAx>
       <c:valAx>
-        <c:axId val="65144704"/>
+        <c:axId val="260261904"/>
         <c:scaling>
           <c:orientation val="minMax"/>
         </c:scaling>
+        <c:delete val="0"/>
         <c:axPos val="l"/>
         <c:majorGridlines>
           <c:spPr>
@@ -14515,6 +14989,7 @@
         </c:majorGridlines>
         <c:numFmt formatCode="0.00E+00" sourceLinked="0"/>
         <c:majorTickMark val="none"/>
+        <c:minorTickMark val="none"/>
         <c:tickLblPos val="nextTo"/>
         <c:spPr>
           <a:noFill/>
@@ -14547,7 +15022,7 @@
             <a:endParaRPr lang="en-US"/>
           </a:p>
         </c:txPr>
-        <c:crossAx val="65142784"/>
+        <c:crossAx val="260261344"/>
         <c:crosses val="autoZero"/>
         <c:crossBetween val="between"/>
       </c:valAx>
@@ -14561,6 +15036,7 @@
     </c:plotArea>
     <c:plotVisOnly val="1"/>
     <c:dispBlanksAs val="gap"/>
+    <c:showDLblsOverMax val="0"/>
   </c:chart>
   <c:spPr>
     <a:solidFill>
@@ -14582,14 +15058,25 @@
       <a:endParaRPr lang="en-US"/>
     </a:p>
   </c:txPr>
-  <c:externalData r:id="rId2"/>
+  <c:externalData r:id="rId4">
+    <c:autoUpdate val="0"/>
+  </c:externalData>
 </c:chartSpace>
 </file>
 
 <file path=ppt/charts/chart3.xml><?xml version="1.0" encoding="utf-8"?>
 <c:chartSpace xmlns:c="http://schemas.openxmlformats.org/drawingml/2006/chart" xmlns:a="http://schemas.openxmlformats.org/drawingml/2006/main" xmlns:r="http://schemas.openxmlformats.org/officeDocument/2006/relationships">
-  <c:date1904 val="1"/>
+  <c:date1904 val="0"/>
   <c:lang val="en-US"/>
+  <c:roundedCorners val="0"/>
+  <mc:AlternateContent xmlns:mc="http://schemas.openxmlformats.org/markup-compatibility/2006">
+    <mc:Choice xmlns:c14="http://schemas.microsoft.com/office/drawing/2007/8/2/chart" Requires="c14">
+      <c14:style val="102"/>
+    </mc:Choice>
+    <mc:Fallback>
+      <c:style val="2"/>
+    </mc:Fallback>
+  </mc:AlternateContent>
   <c:clrMapOvr bg1="lt1" tx1="dk1" bg2="lt2" tx2="dk2" accent1="accent1" accent2="accent2" accent3="accent3" accent4="accent4" accent5="accent5" accent6="accent6" hlink="hlink" folHlink="folHlink"/>
   <c:chart>
     <c:autoTitleDeleted val="1"/>
@@ -14607,6 +15094,7 @@
       </c:layout>
       <c:lineChart>
         <c:grouping val="standard"/>
+        <c:varyColors val="0"/>
         <c:ser>
           <c:idx val="0"/>
           <c:order val="0"/>
@@ -14672,15 +15160,40 @@
                 </a:ln>
                 <a:effectLst/>
               </c:spPr>
+              <c:txPr>
+                <a:bodyPr rot="0" spcFirstLastPara="1" vertOverflow="ellipsis" vert="horz" wrap="square" lIns="38100" tIns="19050" rIns="38100" bIns="19050" anchor="ctr" anchorCtr="1">
+                  <a:spAutoFit/>
+                </a:bodyPr>
+                <a:lstStyle/>
+                <a:p>
+                  <a:pPr>
+                    <a:defRPr sz="1200" b="0" i="0" u="none" strike="noStrike" kern="1200" baseline="0">
+                      <a:solidFill>
+                        <a:schemeClr val="tx1">
+                          <a:lumMod val="75000"/>
+                          <a:lumOff val="25000"/>
+                        </a:schemeClr>
+                      </a:solidFill>
+                      <a:latin typeface="+mn-lt"/>
+                      <a:ea typeface="+mn-ea"/>
+                      <a:cs typeface="+mn-cs"/>
+                    </a:defRPr>
+                  </a:pPr>
+                  <a:endParaRPr lang="en-US"/>
+                </a:p>
+              </c:txPr>
+              <c:showLegendKey val="0"/>
               <c:showVal val="1"/>
+              <c:showCatName val="0"/>
+              <c:showSerName val="0"/>
+              <c:showPercent val="0"/>
+              <c:showBubbleSize val="0"/>
               <c:extLst>
                 <c:ext xmlns:c15="http://schemas.microsoft.com/office/drawing/2012/chart" uri="{CE6537A1-D6FC-4f65-9D91-7224C49458BB}">
-                  <c15:dlblFieldTable/>
-                  <c15:showDataLabelsRange val="0"/>
+                  <c15:layout/>
                 </c:ext>
               </c:extLst>
             </c:dLbl>
-            <c:delete val="1"/>
             <c:spPr>
               <a:noFill/>
               <a:ln>
@@ -14710,6 +15223,12 @@
                 <a:endParaRPr lang="en-US"/>
               </a:p>
             </c:txPr>
+            <c:showLegendKey val="0"/>
+            <c:showVal val="0"/>
+            <c:showCatName val="0"/>
+            <c:showSerName val="0"/>
+            <c:showPercent val="0"/>
+            <c:showBubbleSize val="0"/>
             <c:extLst>
               <c:ext xmlns:c15="http://schemas.microsoft.com/office/drawing/2012/chart" uri="{CE6537A1-D6FC-4f65-9D91-7224C49458BB}">
                 <c15:showLeaderLines val="1"/>
@@ -15354,10 +15873,11 @@
               </c:numCache>
             </c:numRef>
           </c:val>
+          <c:smooth val="0"/>
         </c:ser>
         <c:ser>
           <c:idx val="2"/>
-          <c:order val="1"/>
+          <c:order val="2"/>
           <c:tx>
             <c:strRef>
               <c:f>ecologies!$A$4</c:f>
@@ -15425,15 +15945,40 @@
                 </a:ln>
                 <a:effectLst/>
               </c:spPr>
+              <c:txPr>
+                <a:bodyPr rot="0" spcFirstLastPara="1" vertOverflow="ellipsis" vert="horz" wrap="square" lIns="38100" tIns="19050" rIns="38100" bIns="19050" anchor="ctr" anchorCtr="1">
+                  <a:spAutoFit/>
+                </a:bodyPr>
+                <a:lstStyle/>
+                <a:p>
+                  <a:pPr>
+                    <a:defRPr sz="1400" b="1" i="0" u="none" strike="noStrike" kern="1200" baseline="0">
+                      <a:solidFill>
+                        <a:schemeClr val="tx1">
+                          <a:lumMod val="75000"/>
+                          <a:lumOff val="25000"/>
+                        </a:schemeClr>
+                      </a:solidFill>
+                      <a:latin typeface="+mn-lt"/>
+                      <a:ea typeface="+mn-ea"/>
+                      <a:cs typeface="+mn-cs"/>
+                    </a:defRPr>
+                  </a:pPr>
+                  <a:endParaRPr lang="en-US"/>
+                </a:p>
+              </c:txPr>
+              <c:showLegendKey val="0"/>
               <c:showVal val="1"/>
+              <c:showCatName val="0"/>
+              <c:showSerName val="0"/>
+              <c:showPercent val="0"/>
+              <c:showBubbleSize val="0"/>
               <c:extLst>
                 <c:ext xmlns:c15="http://schemas.microsoft.com/office/drawing/2012/chart" uri="{CE6537A1-D6FC-4f65-9D91-7224C49458BB}">
-                  <c15:dlblFieldTable/>
-                  <c15:showDataLabelsRange val="0"/>
+                  <c15:layout/>
                 </c:ext>
               </c:extLst>
             </c:dLbl>
-            <c:delete val="1"/>
             <c:spPr>
               <a:noFill/>
               <a:ln>
@@ -15463,6 +16008,12 @@
                 <a:endParaRPr lang="en-US"/>
               </a:p>
             </c:txPr>
+            <c:showLegendKey val="0"/>
+            <c:showVal val="0"/>
+            <c:showCatName val="0"/>
+            <c:showSerName val="0"/>
+            <c:showPercent val="0"/>
+            <c:showBubbleSize val="0"/>
             <c:extLst>
               <c:ext xmlns:c15="http://schemas.microsoft.com/office/drawing/2012/chart" uri="{CE6537A1-D6FC-4f65-9D91-7224C49458BB}">
                 <c15:showLeaderLines val="1"/>
@@ -16107,10 +16658,11 @@
               </c:numCache>
             </c:numRef>
           </c:val>
+          <c:smooth val="0"/>
         </c:ser>
         <c:ser>
           <c:idx val="7"/>
-          <c:order val="2"/>
+          <c:order val="7"/>
           <c:tx>
             <c:strRef>
               <c:f>ecologies!$A$9</c:f>
@@ -16158,15 +16710,18 @@
                   </a:p>
                 </c:rich>
               </c:tx>
+              <c:showLegendKey val="0"/>
               <c:showVal val="1"/>
+              <c:showCatName val="0"/>
+              <c:showSerName val="0"/>
+              <c:showPercent val="0"/>
+              <c:showBubbleSize val="0"/>
               <c:extLst>
                 <c:ext xmlns:c15="http://schemas.microsoft.com/office/drawing/2012/chart" uri="{CE6537A1-D6FC-4f65-9D91-7224C49458BB}">
-                  <c15:dlblFieldTable/>
-                  <c15:showDataLabelsRange val="0"/>
+                  <c15:layout/>
                 </c:ext>
               </c:extLst>
             </c:dLbl>
-            <c:delete val="1"/>
             <c:spPr>
               <a:noFill/>
               <a:ln>
@@ -16196,6 +16751,12 @@
                 <a:endParaRPr lang="en-US"/>
               </a:p>
             </c:txPr>
+            <c:showLegendKey val="0"/>
+            <c:showVal val="0"/>
+            <c:showCatName val="0"/>
+            <c:showSerName val="0"/>
+            <c:showPercent val="0"/>
+            <c:showBubbleSize val="0"/>
             <c:extLst>
               <c:ext xmlns:c15="http://schemas.microsoft.com/office/drawing/2012/chart" uri="{CE6537A1-D6FC-4f65-9D91-7224C49458BB}">
                 <c15:showLeaderLines val="1"/>
@@ -16840,10 +17401,11 @@
               </c:numCache>
             </c:numRef>
           </c:val>
+          <c:smooth val="0"/>
         </c:ser>
         <c:ser>
           <c:idx val="8"/>
-          <c:order val="3"/>
+          <c:order val="8"/>
           <c:tx>
             <c:strRef>
               <c:f>ecologies!$A$10</c:f>
@@ -16891,15 +17453,18 @@
                   </a:p>
                 </c:rich>
               </c:tx>
+              <c:showLegendKey val="0"/>
               <c:showVal val="1"/>
+              <c:showCatName val="0"/>
+              <c:showSerName val="0"/>
+              <c:showPercent val="0"/>
+              <c:showBubbleSize val="0"/>
               <c:extLst>
                 <c:ext xmlns:c15="http://schemas.microsoft.com/office/drawing/2012/chart" uri="{CE6537A1-D6FC-4f65-9D91-7224C49458BB}">
-                  <c15:dlblFieldTable/>
-                  <c15:showDataLabelsRange val="0"/>
+                  <c15:layout/>
                 </c:ext>
               </c:extLst>
             </c:dLbl>
-            <c:delete val="1"/>
             <c:spPr>
               <a:noFill/>
               <a:ln>
@@ -16929,6 +17494,12 @@
                 <a:endParaRPr lang="en-US"/>
               </a:p>
             </c:txPr>
+            <c:showLegendKey val="0"/>
+            <c:showVal val="0"/>
+            <c:showCatName val="0"/>
+            <c:showSerName val="0"/>
+            <c:showPercent val="0"/>
+            <c:showBubbleSize val="0"/>
             <c:extLst>
               <c:ext xmlns:c15="http://schemas.microsoft.com/office/drawing/2012/chart" uri="{CE6537A1-D6FC-4f65-9D91-7224C49458BB}">
                 <c15:showLeaderLines val="1"/>
@@ -17573,10 +18144,11 @@
               </c:numCache>
             </c:numRef>
           </c:val>
+          <c:smooth val="0"/>
         </c:ser>
         <c:ser>
           <c:idx val="9"/>
-          <c:order val="4"/>
+          <c:order val="9"/>
           <c:tx>
             <c:strRef>
               <c:f>ecologies!$A$11</c:f>
@@ -17624,15 +18196,18 @@
                   </a:p>
                 </c:rich>
               </c:tx>
+              <c:showLegendKey val="0"/>
               <c:showVal val="1"/>
+              <c:showCatName val="0"/>
+              <c:showSerName val="0"/>
+              <c:showPercent val="0"/>
+              <c:showBubbleSize val="0"/>
               <c:extLst>
                 <c:ext xmlns:c15="http://schemas.microsoft.com/office/drawing/2012/chart" uri="{CE6537A1-D6FC-4f65-9D91-7224C49458BB}">
-                  <c15:dlblFieldTable/>
-                  <c15:showDataLabelsRange val="0"/>
+                  <c15:layout/>
                 </c:ext>
               </c:extLst>
             </c:dLbl>
-            <c:delete val="1"/>
             <c:spPr>
               <a:noFill/>
               <a:ln>
@@ -17662,6 +18237,12 @@
                 <a:endParaRPr lang="en-US"/>
               </a:p>
             </c:txPr>
+            <c:showLegendKey val="0"/>
+            <c:showVal val="0"/>
+            <c:showCatName val="0"/>
+            <c:showSerName val="0"/>
+            <c:showPercent val="0"/>
+            <c:showBubbleSize val="0"/>
             <c:extLst>
               <c:ext xmlns:c15="http://schemas.microsoft.com/office/drawing/2012/chart" uri="{CE6537A1-D6FC-4f65-9D91-7224C49458BB}">
                 <c15:showLeaderLines val="1"/>
@@ -18306,10 +18887,11 @@
               </c:numCache>
             </c:numRef>
           </c:val>
+          <c:smooth val="0"/>
         </c:ser>
         <c:ser>
           <c:idx val="10"/>
-          <c:order val="5"/>
+          <c:order val="10"/>
           <c:tx>
             <c:strRef>
               <c:f>ecologies!$A$12</c:f>
@@ -18379,15 +18961,40 @@
                 </a:ln>
                 <a:effectLst/>
               </c:spPr>
+              <c:txPr>
+                <a:bodyPr rot="0" spcFirstLastPara="1" vertOverflow="ellipsis" vert="horz" wrap="square" lIns="38100" tIns="19050" rIns="38100" bIns="19050" anchor="ctr" anchorCtr="1">
+                  <a:spAutoFit/>
+                </a:bodyPr>
+                <a:lstStyle/>
+                <a:p>
+                  <a:pPr>
+                    <a:defRPr sz="1200" b="0" i="0" u="none" strike="noStrike" kern="1200" baseline="0">
+                      <a:solidFill>
+                        <a:schemeClr val="tx1">
+                          <a:lumMod val="75000"/>
+                          <a:lumOff val="25000"/>
+                        </a:schemeClr>
+                      </a:solidFill>
+                      <a:latin typeface="+mn-lt"/>
+                      <a:ea typeface="+mn-ea"/>
+                      <a:cs typeface="+mn-cs"/>
+                    </a:defRPr>
+                  </a:pPr>
+                  <a:endParaRPr lang="en-US"/>
+                </a:p>
+              </c:txPr>
+              <c:showLegendKey val="0"/>
               <c:showVal val="1"/>
+              <c:showCatName val="0"/>
+              <c:showSerName val="0"/>
+              <c:showPercent val="0"/>
+              <c:showBubbleSize val="0"/>
               <c:extLst>
                 <c:ext xmlns:c15="http://schemas.microsoft.com/office/drawing/2012/chart" uri="{CE6537A1-D6FC-4f65-9D91-7224C49458BB}">
-                  <c15:dlblFieldTable/>
-                  <c15:showDataLabelsRange val="0"/>
+                  <c15:layout/>
                 </c:ext>
               </c:extLst>
             </c:dLbl>
-            <c:delete val="1"/>
             <c:spPr>
               <a:noFill/>
               <a:ln>
@@ -18417,6 +19024,12 @@
                 <a:endParaRPr lang="en-US"/>
               </a:p>
             </c:txPr>
+            <c:showLegendKey val="0"/>
+            <c:showVal val="0"/>
+            <c:showCatName val="0"/>
+            <c:showSerName val="0"/>
+            <c:showPercent val="0"/>
+            <c:showBubbleSize val="0"/>
             <c:extLst>
               <c:ext xmlns:c15="http://schemas.microsoft.com/office/drawing/2012/chart" uri="{CE6537A1-D6FC-4f65-9D91-7224C49458BB}">
                 <c15:showLeaderLines val="1"/>
@@ -19061,10 +19674,19 @@
               </c:numCache>
             </c:numRef>
           </c:val>
+          <c:smooth val="0"/>
         </c:ser>
-        <c:marker val="1"/>
-        <c:axId val="59122048"/>
-        <c:axId val="59123584"/>
+        <c:dLbls>
+          <c:showLegendKey val="0"/>
+          <c:showVal val="0"/>
+          <c:showCatName val="0"/>
+          <c:showSerName val="0"/>
+          <c:showPercent val="0"/>
+          <c:showBubbleSize val="0"/>
+        </c:dLbls>
+        <c:smooth val="0"/>
+        <c:axId val="254192288"/>
+        <c:axId val="254192848"/>
         <c:extLst>
           <c:ext xmlns:c15="http://schemas.microsoft.com/office/drawing/2012/chart" uri="{02D57815-91ED-43cb-92C2-25804820EDAC}">
             <c15:filteredLineSeries>
@@ -22918,13 +23540,15 @@
         </c:extLst>
       </c:lineChart>
       <c:catAx>
-        <c:axId val="59122048"/>
+        <c:axId val="254192288"/>
         <c:scaling>
           <c:orientation val="minMax"/>
         </c:scaling>
+        <c:delete val="0"/>
         <c:axPos val="b"/>
         <c:numFmt formatCode="General" sourceLinked="1"/>
         <c:majorTickMark val="none"/>
+        <c:minorTickMark val="none"/>
         <c:tickLblPos val="nextTo"/>
         <c:spPr>
           <a:noFill/>
@@ -22959,18 +23583,20 @@
             <a:endParaRPr lang="en-US"/>
           </a:p>
         </c:txPr>
-        <c:crossAx val="59123584"/>
+        <c:crossAx val="254192848"/>
         <c:crosses val="autoZero"/>
         <c:auto val="1"/>
         <c:lblAlgn val="ctr"/>
         <c:lblOffset val="100"/>
         <c:tickLblSkip val="10"/>
+        <c:noMultiLvlLbl val="0"/>
       </c:catAx>
       <c:valAx>
-        <c:axId val="59123584"/>
+        <c:axId val="254192848"/>
         <c:scaling>
           <c:orientation val="minMax"/>
         </c:scaling>
+        <c:delete val="0"/>
         <c:axPos val="l"/>
         <c:majorGridlines>
           <c:spPr>
@@ -22983,6 +23609,7 @@
         </c:majorGridlines>
         <c:numFmt formatCode="0.00E+00" sourceLinked="1"/>
         <c:majorTickMark val="none"/>
+        <c:minorTickMark val="none"/>
         <c:tickLblPos val="nextTo"/>
         <c:spPr>
           <a:noFill/>
@@ -23015,7 +23642,7 @@
             <a:endParaRPr lang="en-US"/>
           </a:p>
         </c:txPr>
-        <c:crossAx val="59122048"/>
+        <c:crossAx val="254192288"/>
         <c:crosses val="autoZero"/>
         <c:crossBetween val="between"/>
       </c:valAx>
@@ -23029,6 +23656,7 @@
     </c:plotArea>
     <c:plotVisOnly val="1"/>
     <c:dispBlanksAs val="gap"/>
+    <c:showDLblsOverMax val="0"/>
   </c:chart>
   <c:spPr>
     <a:noFill/>
@@ -23047,13 +23675,25 @@
       <a:endParaRPr lang="en-US"/>
     </a:p>
   </c:txPr>
-  <c:externalData r:id="rId2"/>
+  <c:externalData r:id="rId4">
+    <c:autoUpdate val="0"/>
+  </c:externalData>
 </c:chartSpace>
 </file>
 
 <file path=ppt/charts/chart4.xml><?xml version="1.0" encoding="utf-8"?>
 <c:chartSpace xmlns:c="http://schemas.openxmlformats.org/drawingml/2006/chart" xmlns:a="http://schemas.openxmlformats.org/drawingml/2006/main" xmlns:r="http://schemas.openxmlformats.org/officeDocument/2006/relationships">
+  <c:date1904 val="0"/>
   <c:lang val="en-US"/>
+  <c:roundedCorners val="0"/>
+  <mc:AlternateContent xmlns:mc="http://schemas.openxmlformats.org/markup-compatibility/2006">
+    <mc:Choice xmlns:c14="http://schemas.microsoft.com/office/drawing/2007/8/2/chart" Requires="c14">
+      <c14:style val="102"/>
+    </mc:Choice>
+    <mc:Fallback>
+      <c:style val="2"/>
+    </mc:Fallback>
+  </mc:AlternateContent>
   <c:clrMapOvr bg1="lt1" tx1="dk1" bg2="lt2" tx2="dk2" accent1="accent1" accent2="accent2" accent3="accent3" accent4="accent4" accent5="accent5" accent6="accent6" hlink="hlink" folHlink="folHlink"/>
   <c:chart>
     <c:autoTitleDeleted val="1"/>
@@ -23071,6 +23711,7 @@
       </c:layout>
       <c:lineChart>
         <c:grouping val="standard"/>
+        <c:varyColors val="0"/>
         <c:ser>
           <c:idx val="0"/>
           <c:order val="0"/>
@@ -23140,16 +23781,40 @@
                 </a:ln>
                 <a:effectLst/>
               </c:spPr>
+              <c:txPr>
+                <a:bodyPr rot="0" spcFirstLastPara="1" vertOverflow="ellipsis" vert="horz" wrap="square" lIns="38100" tIns="19050" rIns="38100" bIns="19050" anchor="ctr" anchorCtr="1">
+                  <a:spAutoFit/>
+                </a:bodyPr>
+                <a:lstStyle/>
+                <a:p>
+                  <a:pPr>
+                    <a:defRPr sz="1200" b="0" i="0" u="none" strike="noStrike" kern="1200" baseline="0">
+                      <a:solidFill>
+                        <a:schemeClr val="tx1">
+                          <a:lumMod val="75000"/>
+                          <a:lumOff val="25000"/>
+                        </a:schemeClr>
+                      </a:solidFill>
+                      <a:latin typeface="+mn-lt"/>
+                      <a:ea typeface="+mn-ea"/>
+                      <a:cs typeface="+mn-cs"/>
+                    </a:defRPr>
+                  </a:pPr>
+                  <a:endParaRPr lang="en-US"/>
+                </a:p>
+              </c:txPr>
+              <c:showLegendKey val="0"/>
               <c:showVal val="1"/>
+              <c:showCatName val="0"/>
+              <c:showSerName val="0"/>
+              <c:showPercent val="0"/>
+              <c:showBubbleSize val="0"/>
               <c:extLst>
                 <c:ext xmlns:c15="http://schemas.microsoft.com/office/drawing/2012/chart" uri="{CE6537A1-D6FC-4f65-9D91-7224C49458BB}">
                   <c15:layout/>
-                  <c15:dlblFieldTable/>
-                  <c15:showDataLabelsRange val="0"/>
                 </c:ext>
               </c:extLst>
             </c:dLbl>
-            <c:delete val="1"/>
             <c:spPr>
               <a:noFill/>
               <a:ln>
@@ -23179,6 +23844,12 @@
                 <a:endParaRPr lang="en-US"/>
               </a:p>
             </c:txPr>
+            <c:showLegendKey val="0"/>
+            <c:showVal val="0"/>
+            <c:showCatName val="0"/>
+            <c:showSerName val="0"/>
+            <c:showPercent val="0"/>
+            <c:showBubbleSize val="0"/>
             <c:extLst>
               <c:ext xmlns:c15="http://schemas.microsoft.com/office/drawing/2012/chart" uri="{CE6537A1-D6FC-4f65-9D91-7224C49458BB}">
                 <c15:showLeaderLines val="1"/>
@@ -23823,10 +24494,11 @@
               </c:numCache>
             </c:numRef>
           </c:val>
+          <c:smooth val="0"/>
         </c:ser>
         <c:ser>
           <c:idx val="2"/>
-          <c:order val="1"/>
+          <c:order val="2"/>
           <c:tx>
             <c:strRef>
               <c:f>ecosystems!$A$4</c:f>
@@ -23894,16 +24566,40 @@
                 </a:ln>
                 <a:effectLst/>
               </c:spPr>
+              <c:txPr>
+                <a:bodyPr rot="0" spcFirstLastPara="1" vertOverflow="ellipsis" vert="horz" wrap="square" lIns="38100" tIns="19050" rIns="38100" bIns="19050" anchor="ctr" anchorCtr="1">
+                  <a:spAutoFit/>
+                </a:bodyPr>
+                <a:lstStyle/>
+                <a:p>
+                  <a:pPr>
+                    <a:defRPr sz="1400" b="1" i="0" u="none" strike="noStrike" kern="1200" baseline="0">
+                      <a:solidFill>
+                        <a:schemeClr val="tx1">
+                          <a:lumMod val="75000"/>
+                          <a:lumOff val="25000"/>
+                        </a:schemeClr>
+                      </a:solidFill>
+                      <a:latin typeface="+mn-lt"/>
+                      <a:ea typeface="+mn-ea"/>
+                      <a:cs typeface="+mn-cs"/>
+                    </a:defRPr>
+                  </a:pPr>
+                  <a:endParaRPr lang="en-US"/>
+                </a:p>
+              </c:txPr>
+              <c:showLegendKey val="0"/>
               <c:showVal val="1"/>
+              <c:showCatName val="0"/>
+              <c:showSerName val="0"/>
+              <c:showPercent val="0"/>
+              <c:showBubbleSize val="0"/>
               <c:extLst>
                 <c:ext xmlns:c15="http://schemas.microsoft.com/office/drawing/2012/chart" uri="{CE6537A1-D6FC-4f65-9D91-7224C49458BB}">
                   <c15:layout/>
-                  <c15:dlblFieldTable/>
-                  <c15:showDataLabelsRange val="0"/>
                 </c:ext>
               </c:extLst>
             </c:dLbl>
-            <c:delete val="1"/>
             <c:spPr>
               <a:noFill/>
               <a:ln>
@@ -23933,6 +24629,12 @@
                 <a:endParaRPr lang="en-US"/>
               </a:p>
             </c:txPr>
+            <c:showLegendKey val="0"/>
+            <c:showVal val="0"/>
+            <c:showCatName val="0"/>
+            <c:showSerName val="0"/>
+            <c:showPercent val="0"/>
+            <c:showBubbleSize val="0"/>
             <c:extLst>
               <c:ext xmlns:c15="http://schemas.microsoft.com/office/drawing/2012/chart" uri="{CE6537A1-D6FC-4f65-9D91-7224C49458BB}">
                 <c15:showLeaderLines val="1"/>
@@ -24577,10 +25279,11 @@
               </c:numCache>
             </c:numRef>
           </c:val>
+          <c:smooth val="0"/>
         </c:ser>
         <c:ser>
           <c:idx val="5"/>
-          <c:order val="2"/>
+          <c:order val="5"/>
           <c:tx>
             <c:strRef>
               <c:f>ecosystems!$A$7</c:f>
@@ -24647,14 +25350,40 @@
                 </a:ln>
                 <a:effectLst/>
               </c:spPr>
+              <c:txPr>
+                <a:bodyPr rot="0" spcFirstLastPara="1" vertOverflow="ellipsis" vert="horz" wrap="square" lIns="38100" tIns="19050" rIns="38100" bIns="19050" anchor="ctr" anchorCtr="1">
+                  <a:spAutoFit/>
+                </a:bodyPr>
+                <a:lstStyle/>
+                <a:p>
+                  <a:pPr>
+                    <a:defRPr sz="1200" b="0" i="0" u="none" strike="noStrike" kern="1200" baseline="0">
+                      <a:solidFill>
+                        <a:schemeClr val="tx1">
+                          <a:lumMod val="75000"/>
+                          <a:lumOff val="25000"/>
+                        </a:schemeClr>
+                      </a:solidFill>
+                      <a:latin typeface="+mn-lt"/>
+                      <a:ea typeface="+mn-ea"/>
+                      <a:cs typeface="+mn-cs"/>
+                    </a:defRPr>
+                  </a:pPr>
+                  <a:endParaRPr lang="en-US"/>
+                </a:p>
+              </c:txPr>
+              <c:showLegendKey val="0"/>
               <c:showVal val="1"/>
+              <c:showCatName val="0"/>
+              <c:showSerName val="0"/>
+              <c:showPercent val="0"/>
+              <c:showBubbleSize val="0"/>
               <c:extLst>
                 <c:ext xmlns:c15="http://schemas.microsoft.com/office/drawing/2012/chart" uri="{CE6537A1-D6FC-4f65-9D91-7224C49458BB}">
                   <c15:layout/>
                 </c:ext>
               </c:extLst>
             </c:dLbl>
-            <c:delete val="1"/>
             <c:spPr>
               <a:noFill/>
               <a:ln>
@@ -24684,6 +25413,12 @@
                 <a:endParaRPr lang="en-US"/>
               </a:p>
             </c:txPr>
+            <c:showLegendKey val="0"/>
+            <c:showVal val="0"/>
+            <c:showCatName val="0"/>
+            <c:showSerName val="0"/>
+            <c:showPercent val="0"/>
+            <c:showBubbleSize val="0"/>
             <c:extLst>
               <c:ext xmlns:c15="http://schemas.microsoft.com/office/drawing/2012/chart" uri="{CE6537A1-D6FC-4f65-9D91-7224C49458BB}">
                 <c15:showLeaderLines val="1"/>
@@ -25328,10 +26063,11 @@
               </c:numCache>
             </c:numRef>
           </c:val>
+          <c:smooth val="0"/>
         </c:ser>
         <c:ser>
           <c:idx val="6"/>
-          <c:order val="3"/>
+          <c:order val="6"/>
           <c:tx>
             <c:strRef>
               <c:f>ecosystems!$A$8</c:f>
@@ -25400,14 +26136,40 @@
                 </a:ln>
                 <a:effectLst/>
               </c:spPr>
+              <c:txPr>
+                <a:bodyPr rot="0" spcFirstLastPara="1" vertOverflow="ellipsis" vert="horz" wrap="square" lIns="38100" tIns="19050" rIns="38100" bIns="19050" anchor="ctr" anchorCtr="1">
+                  <a:spAutoFit/>
+                </a:bodyPr>
+                <a:lstStyle/>
+                <a:p>
+                  <a:pPr>
+                    <a:defRPr sz="1200" b="0" i="0" u="none" strike="noStrike" kern="1200" baseline="0">
+                      <a:solidFill>
+                        <a:schemeClr val="tx1">
+                          <a:lumMod val="75000"/>
+                          <a:lumOff val="25000"/>
+                        </a:schemeClr>
+                      </a:solidFill>
+                      <a:latin typeface="+mn-lt"/>
+                      <a:ea typeface="+mn-ea"/>
+                      <a:cs typeface="+mn-cs"/>
+                    </a:defRPr>
+                  </a:pPr>
+                  <a:endParaRPr lang="en-US"/>
+                </a:p>
+              </c:txPr>
+              <c:showLegendKey val="0"/>
               <c:showVal val="1"/>
+              <c:showCatName val="0"/>
+              <c:showSerName val="0"/>
+              <c:showPercent val="0"/>
+              <c:showBubbleSize val="0"/>
               <c:extLst>
                 <c:ext xmlns:c15="http://schemas.microsoft.com/office/drawing/2012/chart" uri="{CE6537A1-D6FC-4f65-9D91-7224C49458BB}">
                   <c15:layout/>
                 </c:ext>
               </c:extLst>
             </c:dLbl>
-            <c:delete val="1"/>
             <c:spPr>
               <a:noFill/>
               <a:ln>
@@ -25437,6 +26199,12 @@
                 <a:endParaRPr lang="en-US"/>
               </a:p>
             </c:txPr>
+            <c:showLegendKey val="0"/>
+            <c:showVal val="0"/>
+            <c:showCatName val="0"/>
+            <c:showSerName val="0"/>
+            <c:showPercent val="0"/>
+            <c:showBubbleSize val="0"/>
             <c:extLst>
               <c:ext xmlns:c15="http://schemas.microsoft.com/office/drawing/2012/chart" uri="{CE6537A1-D6FC-4f65-9D91-7224C49458BB}">
                 <c15:showLeaderLines val="1"/>
@@ -26081,10 +26849,11 @@
               </c:numCache>
             </c:numRef>
           </c:val>
+          <c:smooth val="0"/>
         </c:ser>
         <c:ser>
           <c:idx val="7"/>
-          <c:order val="4"/>
+          <c:order val="7"/>
           <c:tx>
             <c:strRef>
               <c:f>ecosystems!$A$9</c:f>
@@ -26158,16 +26927,40 @@
                 </a:ln>
                 <a:effectLst/>
               </c:spPr>
+              <c:txPr>
+                <a:bodyPr rot="0" spcFirstLastPara="1" vertOverflow="ellipsis" vert="horz" wrap="square" lIns="38100" tIns="19050" rIns="38100" bIns="19050" anchor="ctr" anchorCtr="1">
+                  <a:spAutoFit/>
+                </a:bodyPr>
+                <a:lstStyle/>
+                <a:p>
+                  <a:pPr>
+                    <a:defRPr sz="1200" b="0" i="0" u="none" strike="noStrike" kern="1200" baseline="0">
+                      <a:solidFill>
+                        <a:schemeClr val="tx1">
+                          <a:lumMod val="75000"/>
+                          <a:lumOff val="25000"/>
+                        </a:schemeClr>
+                      </a:solidFill>
+                      <a:latin typeface="+mn-lt"/>
+                      <a:ea typeface="+mn-ea"/>
+                      <a:cs typeface="+mn-cs"/>
+                    </a:defRPr>
+                  </a:pPr>
+                  <a:endParaRPr lang="en-US"/>
+                </a:p>
+              </c:txPr>
+              <c:showLegendKey val="0"/>
               <c:showVal val="1"/>
+              <c:showCatName val="0"/>
+              <c:showSerName val="0"/>
+              <c:showPercent val="0"/>
+              <c:showBubbleSize val="0"/>
               <c:extLst>
                 <c:ext xmlns:c15="http://schemas.microsoft.com/office/drawing/2012/chart" uri="{CE6537A1-D6FC-4f65-9D91-7224C49458BB}">
                   <c15:layout/>
-                  <c15:dlblFieldTable/>
-                  <c15:showDataLabelsRange val="0"/>
                 </c:ext>
               </c:extLst>
             </c:dLbl>
-            <c:delete val="1"/>
             <c:spPr>
               <a:noFill/>
               <a:ln>
@@ -26197,6 +26990,12 @@
                 <a:endParaRPr lang="en-US"/>
               </a:p>
             </c:txPr>
+            <c:showLegendKey val="0"/>
+            <c:showVal val="0"/>
+            <c:showCatName val="0"/>
+            <c:showSerName val="0"/>
+            <c:showPercent val="0"/>
+            <c:showBubbleSize val="0"/>
             <c:extLst>
               <c:ext xmlns:c15="http://schemas.microsoft.com/office/drawing/2012/chart" uri="{CE6537A1-D6FC-4f65-9D91-7224C49458BB}">
                 <c15:showLeaderLines val="1"/>
@@ -26841,10 +27640,19 @@
               </c:numCache>
             </c:numRef>
           </c:val>
+          <c:smooth val="0"/>
         </c:ser>
-        <c:marker val="1"/>
-        <c:axId val="94651904"/>
-        <c:axId val="94653440"/>
+        <c:dLbls>
+          <c:showLegendKey val="0"/>
+          <c:showVal val="0"/>
+          <c:showCatName val="0"/>
+          <c:showSerName val="0"/>
+          <c:showPercent val="0"/>
+          <c:showBubbleSize val="0"/>
+        </c:dLbls>
+        <c:smooth val="0"/>
+        <c:axId val="254199008"/>
+        <c:axId val="254199568"/>
         <c:extLst>
           <c:ext xmlns:c15="http://schemas.microsoft.com/office/drawing/2012/chart" uri="{02D57815-91ED-43cb-92C2-25804820EDAC}">
             <c15:filteredLineSeries>
@@ -29171,13 +29979,15 @@
         </c:extLst>
       </c:lineChart>
       <c:catAx>
-        <c:axId val="94651904"/>
+        <c:axId val="254199008"/>
         <c:scaling>
           <c:orientation val="minMax"/>
         </c:scaling>
+        <c:delete val="0"/>
         <c:axPos val="b"/>
         <c:numFmt formatCode="General" sourceLinked="1"/>
         <c:majorTickMark val="none"/>
+        <c:minorTickMark val="none"/>
         <c:tickLblPos val="nextTo"/>
         <c:spPr>
           <a:noFill/>
@@ -29212,20 +30022,22 @@
             <a:endParaRPr lang="en-US"/>
           </a:p>
         </c:txPr>
-        <c:crossAx val="94653440"/>
+        <c:crossAx val="254199568"/>
         <c:crosses val="autoZero"/>
         <c:auto val="1"/>
         <c:lblAlgn val="ctr"/>
         <c:lblOffset val="100"/>
         <c:tickLblSkip val="10"/>
+        <c:noMultiLvlLbl val="0"/>
       </c:catAx>
       <c:valAx>
-        <c:axId val="94653440"/>
+        <c:axId val="254199568"/>
         <c:scaling>
           <c:orientation val="minMax"/>
           <c:max val="1.2200000000000025E-8"/>
           <c:min val="0"/>
         </c:scaling>
+        <c:delete val="0"/>
         <c:axPos val="l"/>
         <c:majorGridlines>
           <c:spPr>
@@ -29238,6 +30050,7 @@
         </c:majorGridlines>
         <c:numFmt formatCode="General" sourceLinked="1"/>
         <c:majorTickMark val="none"/>
+        <c:minorTickMark val="none"/>
         <c:tickLblPos val="nextTo"/>
         <c:spPr>
           <a:noFill/>
@@ -29270,7 +30083,7 @@
             <a:endParaRPr lang="en-US"/>
           </a:p>
         </c:txPr>
-        <c:crossAx val="94651904"/>
+        <c:crossAx val="254199008"/>
         <c:crosses val="autoZero"/>
         <c:crossBetween val="between"/>
       </c:valAx>
@@ -29284,6 +30097,7 @@
     </c:plotArea>
     <c:plotVisOnly val="1"/>
     <c:dispBlanksAs val="gap"/>
+    <c:showDLblsOverMax val="0"/>
   </c:chart>
   <c:spPr>
     <a:solidFill>
@@ -29305,7 +30119,9 @@
       <a:endParaRPr lang="en-US"/>
     </a:p>
   </c:txPr>
-  <c:externalData r:id="rId2"/>
+  <c:externalData r:id="rId4">
+    <c:autoUpdate val="0"/>
+  </c:externalData>
 </c:chartSpace>
 </file>
 
@@ -31637,7 +32453,7 @@
             <a:fld id="{02A9A2F0-4F2B-40AA-8B54-D14469C4BC41}" type="datetimeFigureOut">
               <a:rPr lang="en-US" altLang="en-US"/>
               <a:pPr/>
-              <a:t>3/29/2016</a:t>
+              <a:t>4/5/2016</a:t>
             </a:fld>
             <a:endParaRPr lang="en-US" altLang="en-US"/>
           </a:p>
@@ -31731,7 +32547,7 @@
     </p:spTree>
     <p:extLst>
       <p:ext uri="{BB962C8B-B14F-4D97-AF65-F5344CB8AC3E}">
-        <p14:creationId xmlns:p14="http://schemas.microsoft.com/office/powerpoint/2010/main" xmlns="" val="652661442"/>
+        <p14:creationId xmlns:p14="http://schemas.microsoft.com/office/powerpoint/2010/main" val="652661442"/>
       </p:ext>
     </p:extLst>
   </p:cSld>
@@ -31844,7 +32660,7 @@
             <a:fld id="{D5ADA8C9-4E8A-4F30-82B9-9E0402E12182}" type="datetimeFigureOut">
               <a:rPr lang="en-US" altLang="en-US"/>
               <a:pPr/>
-              <a:t>3/29/2016</a:t>
+              <a:t>4/5/2016</a:t>
             </a:fld>
             <a:endParaRPr lang="en-US" altLang="en-US"/>
           </a:p>
@@ -32034,7 +32850,7 @@
     </p:spTree>
     <p:extLst>
       <p:ext uri="{BB962C8B-B14F-4D97-AF65-F5344CB8AC3E}">
-        <p14:creationId xmlns:p14="http://schemas.microsoft.com/office/powerpoint/2010/main" xmlns="" val="358078897"/>
+        <p14:creationId xmlns:p14="http://schemas.microsoft.com/office/powerpoint/2010/main" val="358078897"/>
       </p:ext>
     </p:extLst>
   </p:cSld>
@@ -32266,7 +33082,7 @@
     </p:spTree>
     <p:extLst>
       <p:ext uri="{BB962C8B-B14F-4D97-AF65-F5344CB8AC3E}">
-        <p14:creationId xmlns="" xmlns:p14="http://schemas.microsoft.com/office/powerpoint/2010/main" val="2603525525"/>
+        <p14:creationId xmlns:p14="http://schemas.microsoft.com/office/powerpoint/2010/main" val="2603525525"/>
       </p:ext>
     </p:extLst>
   </p:cSld>
@@ -32351,7 +33167,7 @@
     </p:spTree>
     <p:extLst>
       <p:ext uri="{BB962C8B-B14F-4D97-AF65-F5344CB8AC3E}">
-        <p14:creationId xmlns:p14="http://schemas.microsoft.com/office/powerpoint/2010/main" xmlns="" val="1950971412"/>
+        <p14:creationId xmlns:p14="http://schemas.microsoft.com/office/powerpoint/2010/main" val="1950971412"/>
       </p:ext>
     </p:extLst>
   </p:cSld>
@@ -32436,7 +33252,7 @@
     </p:spTree>
     <p:extLst>
       <p:ext uri="{BB962C8B-B14F-4D97-AF65-F5344CB8AC3E}">
-        <p14:creationId xmlns:p14="http://schemas.microsoft.com/office/powerpoint/2010/main" xmlns="" val="2070162266"/>
+        <p14:creationId xmlns:p14="http://schemas.microsoft.com/office/powerpoint/2010/main" val="2070162266"/>
       </p:ext>
     </p:extLst>
   </p:cSld>
@@ -32521,7 +33337,7 @@
     </p:spTree>
     <p:extLst>
       <p:ext uri="{BB962C8B-B14F-4D97-AF65-F5344CB8AC3E}">
-        <p14:creationId xmlns:p14="http://schemas.microsoft.com/office/powerpoint/2010/main" xmlns="" val="2362737283"/>
+        <p14:creationId xmlns:p14="http://schemas.microsoft.com/office/powerpoint/2010/main" val="2362737283"/>
       </p:ext>
     </p:extLst>
   </p:cSld>
@@ -32606,7 +33422,7 @@
     </p:spTree>
     <p:extLst>
       <p:ext uri="{BB962C8B-B14F-4D97-AF65-F5344CB8AC3E}">
-        <p14:creationId xmlns:p14="http://schemas.microsoft.com/office/powerpoint/2010/main" xmlns="" val="1520585444"/>
+        <p14:creationId xmlns:p14="http://schemas.microsoft.com/office/powerpoint/2010/main" val="1520585444"/>
       </p:ext>
     </p:extLst>
   </p:cSld>
@@ -32747,7 +33563,7 @@
     </p:spTree>
     <p:extLst>
       <p:ext uri="{BB962C8B-B14F-4D97-AF65-F5344CB8AC3E}">
-        <p14:creationId xmlns:p14="http://schemas.microsoft.com/office/powerpoint/2010/main" xmlns="" val="2537625213"/>
+        <p14:creationId xmlns:p14="http://schemas.microsoft.com/office/powerpoint/2010/main" val="2537625213"/>
       </p:ext>
     </p:extLst>
   </p:cSld>
@@ -32960,7 +33776,7 @@
     </p:spTree>
     <p:extLst>
       <p:ext uri="{BB962C8B-B14F-4D97-AF65-F5344CB8AC3E}">
-        <p14:creationId xmlns:p14="http://schemas.microsoft.com/office/powerpoint/2010/main" xmlns="" val="3716890120"/>
+        <p14:creationId xmlns:p14="http://schemas.microsoft.com/office/powerpoint/2010/main" val="3716890120"/>
       </p:ext>
     </p:extLst>
   </p:cSld>
@@ -33169,7 +33985,7 @@
     </p:spTree>
     <p:extLst>
       <p:ext uri="{BB962C8B-B14F-4D97-AF65-F5344CB8AC3E}">
-        <p14:creationId xmlns:p14="http://schemas.microsoft.com/office/powerpoint/2010/main" xmlns="" val="4128609369"/>
+        <p14:creationId xmlns:p14="http://schemas.microsoft.com/office/powerpoint/2010/main" val="4128609369"/>
       </p:ext>
     </p:extLst>
   </p:cSld>
@@ -33396,7 +34212,7 @@
     </p:spTree>
     <p:extLst>
       <p:ext uri="{BB962C8B-B14F-4D97-AF65-F5344CB8AC3E}">
-        <p14:creationId xmlns:p14="http://schemas.microsoft.com/office/powerpoint/2010/main" xmlns="" val="210068479"/>
+        <p14:creationId xmlns:p14="http://schemas.microsoft.com/office/powerpoint/2010/main" val="210068479"/>
       </p:ext>
     </p:extLst>
   </p:cSld>
@@ -33623,7 +34439,7 @@
     </p:spTree>
     <p:extLst>
       <p:ext uri="{BB962C8B-B14F-4D97-AF65-F5344CB8AC3E}">
-        <p14:creationId xmlns:p14="http://schemas.microsoft.com/office/powerpoint/2010/main" xmlns="" val="1891058767"/>
+        <p14:creationId xmlns:p14="http://schemas.microsoft.com/office/powerpoint/2010/main" val="1891058767"/>
       </p:ext>
     </p:extLst>
   </p:cSld>
@@ -33842,7 +34658,7 @@
     </p:spTree>
     <p:extLst>
       <p:ext uri="{BB962C8B-B14F-4D97-AF65-F5344CB8AC3E}">
-        <p14:creationId xmlns:p14="http://schemas.microsoft.com/office/powerpoint/2010/main" xmlns="" val="4119003130"/>
+        <p14:creationId xmlns:p14="http://schemas.microsoft.com/office/powerpoint/2010/main" val="4119003130"/>
       </p:ext>
     </p:extLst>
   </p:cSld>
@@ -33875,7 +34691,7 @@
     </p:spTree>
     <p:extLst>
       <p:ext uri="{BB962C8B-B14F-4D97-AF65-F5344CB8AC3E}">
-        <p14:creationId xmlns:p14="http://schemas.microsoft.com/office/powerpoint/2010/main" xmlns="" val="2878144076"/>
+        <p14:creationId xmlns:p14="http://schemas.microsoft.com/office/powerpoint/2010/main" val="2878144076"/>
       </p:ext>
     </p:extLst>
   </p:cSld>
@@ -33915,7 +34731,7 @@
     </p:spTree>
     <p:extLst>
       <p:ext uri="{BB962C8B-B14F-4D97-AF65-F5344CB8AC3E}">
-        <p14:creationId xmlns:p14="http://schemas.microsoft.com/office/powerpoint/2010/main" xmlns="" val="3250976984"/>
+        <p14:creationId xmlns:p14="http://schemas.microsoft.com/office/powerpoint/2010/main" val="3250976984"/>
       </p:ext>
     </p:extLst>
   </p:cSld>
@@ -33952,7 +34768,7 @@
     </p:spTree>
     <p:extLst>
       <p:ext uri="{BB962C8B-B14F-4D97-AF65-F5344CB8AC3E}">
-        <p14:creationId xmlns:p14="http://schemas.microsoft.com/office/powerpoint/2010/main" xmlns="" val="489773715"/>
+        <p14:creationId xmlns:p14="http://schemas.microsoft.com/office/powerpoint/2010/main" val="489773715"/>
       </p:ext>
     </p:extLst>
   </p:cSld>
@@ -34124,7 +34940,7 @@
               <a:pPr>
                 <a:defRPr/>
               </a:pPr>
-              <a:t>3/29/2016</a:t>
+              <a:t>4/5/2016</a:t>
             </a:fld>
             <a:endParaRPr lang="en-US">
               <a:solidFill>
@@ -34224,7 +35040,7 @@
     </p:spTree>
     <p:extLst>
       <p:ext uri="{BB962C8B-B14F-4D97-AF65-F5344CB8AC3E}">
-        <p14:creationId xmlns="" xmlns:p14="http://schemas.microsoft.com/office/powerpoint/2010/main" val="379613614"/>
+        <p14:creationId xmlns:p14="http://schemas.microsoft.com/office/powerpoint/2010/main" val="379613614"/>
       </p:ext>
     </p:extLst>
   </p:cSld>
@@ -34396,7 +35212,7 @@
     </p:spTree>
     <p:extLst>
       <p:ext uri="{BB962C8B-B14F-4D97-AF65-F5344CB8AC3E}">
-        <p14:creationId xmlns:p14="http://schemas.microsoft.com/office/powerpoint/2010/main" xmlns="" val="39577297"/>
+        <p14:creationId xmlns:p14="http://schemas.microsoft.com/office/powerpoint/2010/main" val="39577297"/>
       </p:ext>
     </p:extLst>
   </p:cSld>
@@ -34609,7 +35425,7 @@
     </p:spTree>
     <p:extLst>
       <p:ext uri="{BB962C8B-B14F-4D97-AF65-F5344CB8AC3E}">
-        <p14:creationId xmlns:p14="http://schemas.microsoft.com/office/powerpoint/2010/main" xmlns="" val="3608638819"/>
+        <p14:creationId xmlns:p14="http://schemas.microsoft.com/office/powerpoint/2010/main" val="3608638819"/>
       </p:ext>
     </p:extLst>
   </p:cSld>
@@ -34713,7 +35529,7 @@
     </p:spTree>
     <p:extLst>
       <p:ext uri="{BB962C8B-B14F-4D97-AF65-F5344CB8AC3E}">
-        <p14:creationId xmlns:p14="http://schemas.microsoft.com/office/powerpoint/2010/main" xmlns="" val="711702895"/>
+        <p14:creationId xmlns:p14="http://schemas.microsoft.com/office/powerpoint/2010/main" val="711702895"/>
       </p:ext>
     </p:extLst>
   </p:cSld>
@@ -34781,7 +35597,7 @@
     </p:spTree>
     <p:extLst>
       <p:ext uri="{BB962C8B-B14F-4D97-AF65-F5344CB8AC3E}">
-        <p14:creationId xmlns:p14="http://schemas.microsoft.com/office/powerpoint/2010/main" xmlns="" val="2850415079"/>
+        <p14:creationId xmlns:p14="http://schemas.microsoft.com/office/powerpoint/2010/main" val="2850415079"/>
       </p:ext>
     </p:extLst>
   </p:cSld>
@@ -34930,7 +35746,7 @@
     </p:spTree>
     <p:extLst>
       <p:ext uri="{BB962C8B-B14F-4D97-AF65-F5344CB8AC3E}">
-        <p14:creationId xmlns:p14="http://schemas.microsoft.com/office/powerpoint/2010/main" xmlns="" val="2921577651"/>
+        <p14:creationId xmlns:p14="http://schemas.microsoft.com/office/powerpoint/2010/main" val="2921577651"/>
       </p:ext>
     </p:extLst>
   </p:cSld>
@@ -35077,7 +35893,7 @@
     </p:spTree>
     <p:extLst>
       <p:ext uri="{BB962C8B-B14F-4D97-AF65-F5344CB8AC3E}">
-        <p14:creationId xmlns:p14="http://schemas.microsoft.com/office/powerpoint/2010/main" xmlns="" val="2166825844"/>
+        <p14:creationId xmlns:p14="http://schemas.microsoft.com/office/powerpoint/2010/main" val="2166825844"/>
       </p:ext>
     </p:extLst>
   </p:cSld>
@@ -35259,7 +36075,7 @@
     </p:spTree>
     <p:extLst>
       <p:ext uri="{BB962C8B-B14F-4D97-AF65-F5344CB8AC3E}">
-        <p14:creationId xmlns:p14="http://schemas.microsoft.com/office/powerpoint/2010/main" xmlns="" val="1096237695"/>
+        <p14:creationId xmlns:p14="http://schemas.microsoft.com/office/powerpoint/2010/main" val="1096237695"/>
       </p:ext>
     </p:extLst>
   </p:cSld>
@@ -35437,7 +36253,7 @@
     </p:spTree>
     <p:extLst>
       <p:ext uri="{BB962C8B-B14F-4D97-AF65-F5344CB8AC3E}">
-        <p14:creationId xmlns:p14="http://schemas.microsoft.com/office/powerpoint/2010/main" xmlns="" val="114910322"/>
+        <p14:creationId xmlns:p14="http://schemas.microsoft.com/office/powerpoint/2010/main" val="114910322"/>
       </p:ext>
     </p:extLst>
   </p:cSld>
@@ -35506,7 +36322,7 @@
           </a:ln>
           <a:extLst>
             <a:ext uri="{91240B29-F687-4f45-9708-019B960494DF}">
-              <a14:hiddenLine xmlns:a14="http://schemas.microsoft.com/office/drawing/2010/main" xmlns="" w="9525">
+              <a14:hiddenLine xmlns="" xmlns:a14="http://schemas.microsoft.com/office/drawing/2010/main" w="9525">
                 <a:solidFill>
                   <a:srgbClr val="000000"/>
                 </a:solidFill>
@@ -35661,14 +36477,14 @@
           </a:ln>
           <a:extLst>
             <a:ext uri="{909E8E84-426E-40dd-AFC4-6F175D3DCCD1}">
-              <a14:hiddenFill xmlns:a14="http://schemas.microsoft.com/office/drawing/2010/main" xmlns="">
+              <a14:hiddenFill xmlns="" xmlns:a14="http://schemas.microsoft.com/office/drawing/2010/main">
                 <a:solidFill>
                   <a:srgbClr val="FFFFFF"/>
                 </a:solidFill>
               </a14:hiddenFill>
             </a:ext>
             <a:ext uri="{91240B29-F687-4f45-9708-019B960494DF}">
-              <a14:hiddenLine xmlns:a14="http://schemas.microsoft.com/office/drawing/2010/main" xmlns="" w="9525">
+              <a14:hiddenLine xmlns="" xmlns:a14="http://schemas.microsoft.com/office/drawing/2010/main" w="9525">
                 <a:solidFill>
                   <a:srgbClr val="000000"/>
                 </a:solidFill>
@@ -35719,14 +36535,14 @@
           </a:ln>
           <a:extLst>
             <a:ext uri="{909E8E84-426E-40dd-AFC4-6F175D3DCCD1}">
-              <a14:hiddenFill xmlns:a14="http://schemas.microsoft.com/office/drawing/2010/main" xmlns="">
+              <a14:hiddenFill xmlns="" xmlns:a14="http://schemas.microsoft.com/office/drawing/2010/main">
                 <a:solidFill>
                   <a:srgbClr val="FFFFFF"/>
                 </a:solidFill>
               </a14:hiddenFill>
             </a:ext>
             <a:ext uri="{91240B29-F687-4f45-9708-019B960494DF}">
-              <a14:hiddenLine xmlns:a14="http://schemas.microsoft.com/office/drawing/2010/main" xmlns="" w="9525">
+              <a14:hiddenLine xmlns="" xmlns:a14="http://schemas.microsoft.com/office/drawing/2010/main" w="9525">
                 <a:solidFill>
                   <a:srgbClr val="000000"/>
                 </a:solidFill>
@@ -36271,7 +37087,7 @@
           <a:blip r:embed="rId2">
             <a:extLst>
               <a:ext uri="{28A0092B-C50C-407E-A947-70E740481C1C}">
-                <a14:useLocalDpi xmlns:a14="http://schemas.microsoft.com/office/drawing/2010/main" xmlns="" val="0"/>
+                <a14:useLocalDpi xmlns:a14="http://schemas.microsoft.com/office/drawing/2010/main" val="0"/>
               </a:ext>
             </a:extLst>
           </a:blip>
@@ -36487,14 +37303,14 @@
           </a:ln>
           <a:extLst>
             <a:ext uri="{909E8E84-426E-40dd-AFC4-6F175D3DCCD1}">
-              <a14:hiddenFill xmlns:a14="http://schemas.microsoft.com/office/drawing/2010/main" xmlns="">
+              <a14:hiddenFill xmlns="" xmlns:a14="http://schemas.microsoft.com/office/drawing/2010/main">
                 <a:solidFill>
                   <a:srgbClr val="FFFFFF"/>
                 </a:solidFill>
               </a14:hiddenFill>
             </a:ext>
             <a:ext uri="{91240B29-F687-4f45-9708-019B960494DF}">
-              <a14:hiddenLine xmlns:a14="http://schemas.microsoft.com/office/drawing/2010/main" xmlns="" w="9525">
+              <a14:hiddenLine xmlns="" xmlns:a14="http://schemas.microsoft.com/office/drawing/2010/main" w="9525">
                 <a:solidFill>
                   <a:srgbClr val="000000"/>
                 </a:solidFill>
@@ -36708,7 +37524,7 @@
           <p:nvPr>
             <p:extLst>
               <p:ext uri="{D42A27DB-BD31-4B8C-83A1-F6EECF244321}">
-                <p14:modId xmlns:p14="http://schemas.microsoft.com/office/powerpoint/2010/main" xmlns="" val="32435579"/>
+                <p14:modId xmlns:p14="http://schemas.microsoft.com/office/powerpoint/2010/main" val="32435579"/>
               </p:ext>
             </p:extLst>
           </p:nvPr>
@@ -37001,7 +37817,7 @@
     </p:spTree>
     <p:extLst>
       <p:ext uri="{BB962C8B-B14F-4D97-AF65-F5344CB8AC3E}">
-        <p14:creationId xmlns:p14="http://schemas.microsoft.com/office/powerpoint/2010/main" xmlns="" val="1912638475"/>
+        <p14:creationId xmlns:p14="http://schemas.microsoft.com/office/powerpoint/2010/main" val="1912638475"/>
       </p:ext>
     </p:extLst>
   </p:cSld>
@@ -37047,7 +37863,7 @@
           <p:nvPr>
             <p:extLst>
               <p:ext uri="{D42A27DB-BD31-4B8C-83A1-F6EECF244321}">
-                <p14:modId xmlns:p14="http://schemas.microsoft.com/office/powerpoint/2010/main" xmlns="" val="1499364773"/>
+                <p14:modId xmlns:p14="http://schemas.microsoft.com/office/powerpoint/2010/main" val="1499364773"/>
               </p:ext>
             </p:extLst>
           </p:nvPr>
@@ -37148,7 +37964,7 @@
     </p:spTree>
     <p:extLst>
       <p:ext uri="{BB962C8B-B14F-4D97-AF65-F5344CB8AC3E}">
-        <p14:creationId xmlns:p14="http://schemas.microsoft.com/office/powerpoint/2010/main" xmlns="" val="3013248002"/>
+        <p14:creationId xmlns:p14="http://schemas.microsoft.com/office/powerpoint/2010/main" val="3013248002"/>
       </p:ext>
     </p:extLst>
   </p:cSld>
@@ -37279,11 +38095,7 @@
             </a:pPr>
             <a:r>
               <a:rPr lang="en-US" dirty="0" smtClean="0"/>
-              <a:t>	</a:t>
-            </a:r>
-            <a:r>
-              <a:rPr lang="en-US" dirty="0" smtClean="0"/>
-              <a:t>			Quant / </a:t>
+              <a:t>				Quant / </a:t>
             </a:r>
             <a:r>
               <a:rPr lang="en-US" dirty="0" err="1" smtClean="0"/>
@@ -37300,11 +38112,7 @@
             </a:pPr>
             <a:r>
               <a:rPr lang="en-US" dirty="0" smtClean="0"/>
-              <a:t>	</a:t>
-            </a:r>
-            <a:r>
-              <a:rPr lang="en-US" dirty="0" smtClean="0"/>
-              <a:t>			Human and Cultural Ecology</a:t>
+              <a:t>				Human and Cultural Ecology</a:t>
             </a:r>
           </a:p>
           <a:p>
@@ -37321,7 +38129,6 @@
               <a:rPr lang="en-US" dirty="0" smtClean="0"/>
               <a:t>				The Information Environment</a:t>
             </a:r>
-            <a:endParaRPr lang="en-US" dirty="0" smtClean="0"/>
           </a:p>
           <a:p>
             <a:pPr>
@@ -37337,7 +38144,6 @@
               <a:rPr lang="en-US" dirty="0" smtClean="0"/>
               <a:t>1989			Information Ecology (info management)	Harris</a:t>
             </a:r>
-            <a:endParaRPr lang="en-US" dirty="0" smtClean="0"/>
           </a:p>
         </p:txBody>
       </p:sp>
@@ -37567,11 +38373,7 @@
             </a:pPr>
             <a:r>
               <a:rPr lang="en-US" sz="2000" dirty="0" smtClean="0"/>
-              <a:t>P</a:t>
-            </a:r>
-            <a:r>
-              <a:rPr lang="en-US" sz="2000" dirty="0" smtClean="0"/>
-              <a:t>urpose?</a:t>
+              <a:t>Purpose?</a:t>
             </a:r>
             <a:endParaRPr lang="en-US" sz="2000" dirty="0"/>
           </a:p>
@@ -37687,11 +38489,7 @@
           <a:p>
             <a:r>
               <a:rPr lang="en-US" dirty="0" smtClean="0"/>
-              <a:t>	</a:t>
-            </a:r>
-            <a:r>
-              <a:rPr lang="en-US" dirty="0" smtClean="0"/>
-              <a:t>			Cognition more than information processing</a:t>
+              <a:t>				Cognition more than information processing</a:t>
             </a:r>
           </a:p>
           <a:p>
@@ -37733,7 +38531,6 @@
               <a:rPr lang="en-US" dirty="0" smtClean="0"/>
               <a:t>Justice, sustainability, conservation, extraction</a:t>
             </a:r>
-            <a:endParaRPr lang="en-US" dirty="0" smtClean="0"/>
           </a:p>
           <a:p>
             <a:endParaRPr lang="en-US" dirty="0"/>
@@ -37848,7 +38645,15 @@
           <a:p>
             <a:r>
               <a:rPr lang="en-US" dirty="0" smtClean="0"/>
-              <a:t>Is a human community and ecosystem? What about morality?</a:t>
+              <a:t>Is a human community </a:t>
+            </a:r>
+            <a:r>
+              <a:rPr lang="en-US" dirty="0" smtClean="0"/>
+              <a:t>an </a:t>
+            </a:r>
+            <a:r>
+              <a:rPr lang="en-US" dirty="0" smtClean="0"/>
+              <a:t>ecosystem? What about morality?</a:t>
             </a:r>
           </a:p>
           <a:p>
@@ -37964,11 +38769,7 @@
           <a:p>
             <a:r>
               <a:rPr lang="en-US" dirty="0" smtClean="0"/>
-              <a:t>E</a:t>
-            </a:r>
-            <a:r>
-              <a:rPr lang="en-US" dirty="0" smtClean="0"/>
-              <a:t>xplicit links to environment 					</a:t>
+              <a:t>Explicit links to environment 					</a:t>
             </a:r>
             <a:r>
               <a:rPr lang="en-US" dirty="0" err="1" smtClean="0"/>
@@ -37999,11 +38800,7 @@
           <a:p>
             <a:r>
               <a:rPr lang="en-US" dirty="0" smtClean="0"/>
-              <a:t>	</a:t>
-            </a:r>
-            <a:r>
-              <a:rPr lang="en-US" dirty="0" smtClean="0"/>
-              <a:t>							</a:t>
+              <a:t>								</a:t>
             </a:r>
             <a:r>
               <a:rPr lang="en-US" dirty="0" err="1" smtClean="0"/>
@@ -38023,11 +38820,7 @@
           <a:p>
             <a:r>
               <a:rPr lang="en-US" dirty="0" smtClean="0"/>
-              <a:t>	</a:t>
-            </a:r>
-            <a:r>
-              <a:rPr lang="en-US" dirty="0" smtClean="0"/>
-              <a:t>							</a:t>
+              <a:t>								</a:t>
             </a:r>
             <a:r>
               <a:rPr lang="en-US" dirty="0" err="1" smtClean="0"/>
@@ -38058,11 +38851,7 @@
           <a:p>
             <a:r>
               <a:rPr lang="en-US" dirty="0" smtClean="0"/>
-              <a:t>Ways forward: </a:t>
-            </a:r>
-            <a:r>
-              <a:rPr lang="en-US" dirty="0" smtClean="0"/>
-              <a:t>‘ecologies’ and ecosystems?</a:t>
+              <a:t>Ways forward: ‘ecologies’ and ecosystems?</a:t>
             </a:r>
             <a:br>
               <a:rPr lang="en-US" dirty="0" smtClean="0"/>
@@ -38094,23 +38883,7 @@
           <a:p>
             <a:r>
               <a:rPr lang="en-US" sz="2400" dirty="0" smtClean="0"/>
-              <a:t>Open </a:t>
-            </a:r>
-            <a:r>
-              <a:rPr lang="en-US" sz="2400" dirty="0" smtClean="0"/>
-              <a:t>data? </a:t>
-            </a:r>
-            <a:r>
-              <a:rPr lang="en-US" sz="2400" dirty="0" smtClean="0"/>
-              <a:t>/ </a:t>
-            </a:r>
-            <a:r>
-              <a:rPr lang="en-US" sz="2400" dirty="0" smtClean="0"/>
-              <a:t>Data commons?</a:t>
-            </a:r>
-            <a:r>
-              <a:rPr lang="en-US" sz="2400" dirty="0" smtClean="0"/>
-              <a:t>	</a:t>
+              <a:t>Open data? / Data commons?	</a:t>
             </a:r>
             <a:endParaRPr lang="en-US" sz="2400" dirty="0"/>
           </a:p>
@@ -38163,7 +38936,7 @@
           <a:blip r:embed="rId2">
             <a:extLst>
               <a:ext uri="{28A0092B-C50C-407E-A947-70E740481C1C}">
-                <a14:useLocalDpi xmlns:a14="http://schemas.microsoft.com/office/drawing/2010/main" xmlns="" val="0"/>
+                <a14:useLocalDpi xmlns:a14="http://schemas.microsoft.com/office/drawing/2010/main" val="0"/>
               </a:ext>
             </a:extLst>
           </a:blip>
@@ -38196,7 +38969,7 @@
           </a:prstGeom>
           <a:solidFill>
             <a:srgbClr val="FFFFFF">
-              <a:alpha val="53000"/>
+              <a:alpha val="77000"/>
             </a:srgbClr>
           </a:solidFill>
           <a:ln w="9525" cap="flat" cmpd="sng" algn="ctr">
@@ -38362,7 +39135,7 @@
           <p:nvPr>
             <p:extLst>
               <p:ext uri="{D42A27DB-BD31-4B8C-83A1-F6EECF244321}">
-                <p14:modId xmlns:p14="http://schemas.microsoft.com/office/powerpoint/2010/main" xmlns="" val="32435579"/>
+                <p14:modId xmlns:p14="http://schemas.microsoft.com/office/powerpoint/2010/main" val="32435579"/>
               </p:ext>
             </p:extLst>
           </p:nvPr>
@@ -38678,14 +39451,14 @@
           </a:ln>
           <a:extLst>
             <a:ext uri="{909E8E84-426E-40dd-AFC4-6F175D3DCCD1}">
-              <a14:hiddenFill xmlns:a14="http://schemas.microsoft.com/office/drawing/2010/main" xmlns="">
+              <a14:hiddenFill xmlns="" xmlns:a14="http://schemas.microsoft.com/office/drawing/2010/main">
                 <a:solidFill>
                   <a:srgbClr val="FFFFFF"/>
                 </a:solidFill>
               </a14:hiddenFill>
             </a:ext>
             <a:ext uri="{91240B29-F687-4f45-9708-019B960494DF}">
-              <a14:hiddenLine xmlns:a14="http://schemas.microsoft.com/office/drawing/2010/main" xmlns="" w="9525">
+              <a14:hiddenLine xmlns="" xmlns:a14="http://schemas.microsoft.com/office/drawing/2010/main" w="9525">
                 <a:solidFill>
                   <a:srgbClr val="000000"/>
                 </a:solidFill>
@@ -38809,11 +39582,7 @@
           <a:p>
             <a:r>
               <a:rPr lang="en-US" dirty="0" smtClean="0"/>
-              <a:t>n</a:t>
-            </a:r>
-            <a:r>
-              <a:rPr lang="en-US" dirty="0" smtClean="0"/>
-              <a:t>on-living environment</a:t>
+              <a:t>non-living environment</a:t>
             </a:r>
             <a:endParaRPr lang="en-US" dirty="0"/>
           </a:p>
@@ -38857,8 +39626,8 @@
         </p:nvSpPr>
         <p:spPr>
           <a:xfrm>
-            <a:off x="5440293" y="2690407"/>
-            <a:ext cx="1326004" cy="369332"/>
+            <a:off x="5291001" y="2690407"/>
+            <a:ext cx="1454244" cy="369332"/>
           </a:xfrm>
           <a:prstGeom prst="rect">
             <a:avLst/>
@@ -38872,10 +39641,10 @@
           <a:lstStyle/>
           <a:p>
             <a:r>
-              <a:rPr lang="en-US" dirty="0" smtClean="0"/>
+              <a:rPr lang="en-US" b="1" dirty="0" smtClean="0"/>
               <a:t>information</a:t>
             </a:r>
-            <a:endParaRPr lang="en-US" dirty="0"/>
+            <a:endParaRPr lang="en-US" b="1" dirty="0"/>
           </a:p>
         </p:txBody>
       </p:sp>
@@ -38943,10 +39712,142 @@
           </a:p>
         </p:txBody>
       </p:sp>
+      <p:sp>
+        <p:nvSpPr>
+          <p:cNvPr id="4" name="Left-Right Arrow 3"/>
+          <p:cNvSpPr/>
+          <p:nvPr/>
+        </p:nvSpPr>
+        <p:spPr bwMode="auto">
+          <a:xfrm rot="18291275">
+            <a:off x="5299419" y="3305789"/>
+            <a:ext cx="686899" cy="167951"/>
+          </a:xfrm>
+          <a:prstGeom prst="leftRightArrow">
+            <a:avLst/>
+          </a:prstGeom>
+          <a:solidFill>
+            <a:schemeClr val="accent1"/>
+          </a:solidFill>
+          <a:ln w="9525" cap="flat" cmpd="sng" algn="ctr">
+            <a:solidFill>
+              <a:schemeClr val="tx1"/>
+            </a:solidFill>
+            <a:prstDash val="solid"/>
+            <a:round/>
+            <a:headEnd type="none" w="med" len="med"/>
+            <a:tailEnd type="none" w="med" len="med"/>
+          </a:ln>
+          <a:effectLst/>
+        </p:spPr>
+        <p:txBody>
+          <a:bodyPr vert="horz" wrap="square" lIns="91440" tIns="45720" rIns="91440" bIns="45720" numCol="1" rtlCol="0" anchor="t" anchorCtr="0" compatLnSpc="1">
+            <a:prstTxWarp prst="textNoShape">
+              <a:avLst/>
+            </a:prstTxWarp>
+          </a:bodyPr>
+          <a:lstStyle/>
+          <a:p>
+            <a:pPr marL="0" marR="0" indent="0" algn="l" defTabSz="914400" rtl="0" eaLnBrk="0" fontAlgn="base" latinLnBrk="0" hangingPunct="0">
+              <a:lnSpc>
+                <a:spcPct val="100000"/>
+              </a:lnSpc>
+              <a:spcBef>
+                <a:spcPct val="0"/>
+              </a:spcBef>
+              <a:spcAft>
+                <a:spcPct val="0"/>
+              </a:spcAft>
+              <a:buClrTx/>
+              <a:buSzTx/>
+              <a:buFontTx/>
+              <a:buNone/>
+              <a:tabLst/>
+            </a:pPr>
+            <a:endParaRPr kumimoji="0" lang="en-US" sz="2400" b="0" i="0" u="none" strike="noStrike" cap="none" normalizeH="0" baseline="0" smtClean="0">
+              <a:ln>
+                <a:noFill/>
+              </a:ln>
+              <a:solidFill>
+                <a:srgbClr val="999999"/>
+              </a:solidFill>
+              <a:effectLst/>
+              <a:latin typeface="Arial" charset="0"/>
+              <a:ea typeface="ＭＳ Ｐゴシック" pitchFamily="-96" charset="-128"/>
+            </a:endParaRPr>
+          </a:p>
+        </p:txBody>
+      </p:sp>
+      <p:sp>
+        <p:nvSpPr>
+          <p:cNvPr id="16" name="Left-Right Arrow 15"/>
+          <p:cNvSpPr/>
+          <p:nvPr/>
+        </p:nvSpPr>
+        <p:spPr bwMode="auto">
+          <a:xfrm rot="18291275">
+            <a:off x="5974601" y="2283344"/>
+            <a:ext cx="686899" cy="167951"/>
+          </a:xfrm>
+          <a:prstGeom prst="leftRightArrow">
+            <a:avLst/>
+          </a:prstGeom>
+          <a:solidFill>
+            <a:schemeClr val="accent1"/>
+          </a:solidFill>
+          <a:ln w="9525" cap="flat" cmpd="sng" algn="ctr">
+            <a:solidFill>
+              <a:schemeClr val="tx1"/>
+            </a:solidFill>
+            <a:prstDash val="solid"/>
+            <a:round/>
+            <a:headEnd type="none" w="med" len="med"/>
+            <a:tailEnd type="none" w="med" len="med"/>
+          </a:ln>
+          <a:effectLst/>
+        </p:spPr>
+        <p:txBody>
+          <a:bodyPr vert="horz" wrap="square" lIns="91440" tIns="45720" rIns="91440" bIns="45720" numCol="1" rtlCol="0" anchor="t" anchorCtr="0" compatLnSpc="1">
+            <a:prstTxWarp prst="textNoShape">
+              <a:avLst/>
+            </a:prstTxWarp>
+          </a:bodyPr>
+          <a:lstStyle/>
+          <a:p>
+            <a:pPr marL="0" marR="0" indent="0" algn="l" defTabSz="914400" rtl="0" eaLnBrk="0" fontAlgn="base" latinLnBrk="0" hangingPunct="0">
+              <a:lnSpc>
+                <a:spcPct val="100000"/>
+              </a:lnSpc>
+              <a:spcBef>
+                <a:spcPct val="0"/>
+              </a:spcBef>
+              <a:spcAft>
+                <a:spcPct val="0"/>
+              </a:spcAft>
+              <a:buClrTx/>
+              <a:buSzTx/>
+              <a:buFontTx/>
+              <a:buNone/>
+              <a:tabLst/>
+            </a:pPr>
+            <a:endParaRPr kumimoji="0" lang="en-US" sz="2400" b="0" i="0" u="none" strike="noStrike" cap="none" normalizeH="0" baseline="0" smtClean="0">
+              <a:ln>
+                <a:noFill/>
+              </a:ln>
+              <a:solidFill>
+                <a:srgbClr val="999999"/>
+              </a:solidFill>
+              <a:effectLst/>
+              <a:latin typeface="Arial" charset="0"/>
+              <a:ea typeface="ＭＳ Ｐゴシック" pitchFamily="-96" charset="-128"/>
+            </a:endParaRPr>
+          </a:p>
+        </p:txBody>
+      </p:sp>
     </p:spTree>
     <p:extLst>
       <p:ext uri="{BB962C8B-B14F-4D97-AF65-F5344CB8AC3E}">
-        <p14:creationId xmlns:p14="http://schemas.microsoft.com/office/powerpoint/2010/main" xmlns="" val="1912638475"/>
+        <p14:creationId xmlns:p14="http://schemas.microsoft.com/office/powerpoint/2010/main" val="1912638475"/>
       </p:ext>
     </p:extLst>
   </p:cSld>
@@ -39075,7 +39976,7 @@
           <p:nvPr>
             <p:extLst>
               <p:ext uri="{D42A27DB-BD31-4B8C-83A1-F6EECF244321}">
-                <p14:modId xmlns:p14="http://schemas.microsoft.com/office/powerpoint/2010/main" xmlns="" val="4135322704"/>
+                <p14:modId xmlns:p14="http://schemas.microsoft.com/office/powerpoint/2010/main" val="4135322704"/>
               </p:ext>
             </p:extLst>
           </p:nvPr>
@@ -39093,7 +39994,7 @@
     </p:spTree>
     <p:extLst>
       <p:ext uri="{BB962C8B-B14F-4D97-AF65-F5344CB8AC3E}">
-        <p14:creationId xmlns:p14="http://schemas.microsoft.com/office/powerpoint/2010/main" xmlns="" val="1116552550"/>
+        <p14:creationId xmlns:p14="http://schemas.microsoft.com/office/powerpoint/2010/main" val="1116552550"/>
       </p:ext>
     </p:extLst>
   </p:cSld>
@@ -39139,7 +40040,7 @@
           <p:nvPr>
             <p:extLst>
               <p:ext uri="{D42A27DB-BD31-4B8C-83A1-F6EECF244321}">
-                <p14:modId xmlns:p14="http://schemas.microsoft.com/office/powerpoint/2010/main" xmlns="" val="3717933431"/>
+                <p14:modId xmlns:p14="http://schemas.microsoft.com/office/powerpoint/2010/main" val="3717933431"/>
               </p:ext>
             </p:extLst>
           </p:nvPr>
@@ -39304,7 +40205,7 @@
     </p:spTree>
     <p:extLst>
       <p:ext uri="{BB962C8B-B14F-4D97-AF65-F5344CB8AC3E}">
-        <p14:creationId xmlns:p14="http://schemas.microsoft.com/office/powerpoint/2010/main" xmlns="" val="2093058444"/>
+        <p14:creationId xmlns:p14="http://schemas.microsoft.com/office/powerpoint/2010/main" val="2093058444"/>
       </p:ext>
     </p:extLst>
   </p:cSld>
@@ -39380,7 +40281,7 @@
           <a:blip r:embed="rId2">
             <a:extLst>
               <a:ext uri="{28A0092B-C50C-407E-A947-70E740481C1C}">
-                <a14:useLocalDpi xmlns:a14="http://schemas.microsoft.com/office/drawing/2010/main" xmlns="" val="0"/>
+                <a14:useLocalDpi xmlns:a14="http://schemas.microsoft.com/office/drawing/2010/main" val="0"/>
               </a:ext>
             </a:extLst>
           </a:blip>
@@ -39401,7 +40302,7 @@
     </p:spTree>
     <p:extLst>
       <p:ext uri="{BB962C8B-B14F-4D97-AF65-F5344CB8AC3E}">
-        <p14:creationId xmlns:p14="http://schemas.microsoft.com/office/powerpoint/2010/main" xmlns="" val="3671417650"/>
+        <p14:creationId xmlns:p14="http://schemas.microsoft.com/office/powerpoint/2010/main" val="3671417650"/>
       </p:ext>
     </p:extLst>
   </p:cSld>
@@ -39450,7 +40351,7 @@
           <a:blip r:embed="rId2">
             <a:extLst>
               <a:ext uri="{28A0092B-C50C-407E-A947-70E740481C1C}">
-                <a14:useLocalDpi xmlns:a14="http://schemas.microsoft.com/office/drawing/2010/main" xmlns="" val="0"/>
+                <a14:useLocalDpi xmlns:a14="http://schemas.microsoft.com/office/drawing/2010/main" val="0"/>
               </a:ext>
             </a:extLst>
           </a:blip>
@@ -39662,7 +40563,7 @@
     </p:spTree>
     <p:extLst>
       <p:ext uri="{BB962C8B-B14F-4D97-AF65-F5344CB8AC3E}">
-        <p14:creationId xmlns:p14="http://schemas.microsoft.com/office/powerpoint/2010/main" xmlns="" val="4248661782"/>
+        <p14:creationId xmlns:p14="http://schemas.microsoft.com/office/powerpoint/2010/main" val="4248661782"/>
       </p:ext>
     </p:extLst>
   </p:cSld>
@@ -39966,11 +40867,7 @@
           <a:p>
             <a:r>
               <a:rPr lang="en-US" dirty="0" smtClean="0"/>
-              <a:t>n</a:t>
-            </a:r>
-            <a:r>
-              <a:rPr lang="en-US" dirty="0" smtClean="0"/>
-              <a:t>on-living environment</a:t>
+              <a:t>non-living environment</a:t>
             </a:r>
             <a:endParaRPr lang="en-US" dirty="0"/>
           </a:p>
@@ -40226,7 +41123,7 @@
           <a:blip r:embed="rId2">
             <a:extLst>
               <a:ext uri="{28A0092B-C50C-407E-A947-70E740481C1C}">
-                <a14:useLocalDpi xmlns:a14="http://schemas.microsoft.com/office/drawing/2010/main" xmlns="" val="0"/>
+                <a14:useLocalDpi xmlns:a14="http://schemas.microsoft.com/office/drawing/2010/main" val="0"/>
               </a:ext>
             </a:extLst>
           </a:blip>
@@ -40447,7 +41344,7 @@
     </p:spTree>
     <p:extLst>
       <p:ext uri="{BB962C8B-B14F-4D97-AF65-F5344CB8AC3E}">
-        <p14:creationId xmlns:p14="http://schemas.microsoft.com/office/powerpoint/2010/main" xmlns="" val="2122168191"/>
+        <p14:creationId xmlns:p14="http://schemas.microsoft.com/office/powerpoint/2010/main" val="2122168191"/>
       </p:ext>
     </p:extLst>
   </p:cSld>
@@ -40578,14 +41475,14 @@
           </a:ln>
           <a:extLst>
             <a:ext uri="{909E8E84-426E-40dd-AFC4-6F175D3DCCD1}">
-              <a14:hiddenFill xmlns:a14="http://schemas.microsoft.com/office/drawing/2010/main" xmlns="">
+              <a14:hiddenFill xmlns="" xmlns:a14="http://schemas.microsoft.com/office/drawing/2010/main">
                 <a:solidFill>
                   <a:srgbClr val="FFFFFF"/>
                 </a:solidFill>
               </a14:hiddenFill>
             </a:ext>
             <a:ext uri="{91240B29-F687-4f45-9708-019B960494DF}">
-              <a14:hiddenLine xmlns:a14="http://schemas.microsoft.com/office/drawing/2010/main" xmlns="" w="9525">
+              <a14:hiddenLine xmlns="" xmlns:a14="http://schemas.microsoft.com/office/drawing/2010/main" w="9525">
                 <a:solidFill>
                   <a:srgbClr val="000000"/>
                 </a:solidFill>
@@ -41400,7 +42297,7 @@
           <p:nvPr>
             <p:extLst>
               <p:ext uri="{D42A27DB-BD31-4B8C-83A1-F6EECF244321}">
-                <p14:modId xmlns="" xmlns:p14="http://schemas.microsoft.com/office/powerpoint/2010/main" val="1439639561"/>
+                <p14:modId xmlns:p14="http://schemas.microsoft.com/office/powerpoint/2010/main" val="1439639561"/>
               </p:ext>
             </p:extLst>
           </p:nvPr>
@@ -41821,20 +42718,20 @@
     </p:spTree>
     <p:extLst>
       <p:ext uri="{BB962C8B-B14F-4D97-AF65-F5344CB8AC3E}">
-        <p14:creationId xmlns="" xmlns:p14="http://schemas.microsoft.com/office/powerpoint/2010/main" val="2401644761"/>
+        <p14:creationId xmlns:p14="http://schemas.microsoft.com/office/powerpoint/2010/main" val="2401644761"/>
       </p:ext>
     </p:extLst>
   </p:cSld>
   <p:clrMapOvr>
     <a:masterClrMapping/>
   </p:clrMapOvr>
-  <mc:AlternateContent xmlns:mc="http://schemas.openxmlformats.org/markup-compatibility/2006">
-    <mc:Choice xmlns="" xmlns:p14="http://schemas.microsoft.com/office/powerpoint/2010/main" Requires="p14">
+  <mc:AlternateContent xmlns:mc="http://schemas.openxmlformats.org/markup-compatibility/2006" xmlns:p14="http://schemas.microsoft.com/office/powerpoint/2010/main">
+    <mc:Choice Requires="p14">
       <p:transition spd="med" p14:dur="700">
         <p:fade/>
       </p:transition>
     </mc:Choice>
-    <mc:Fallback>
+    <mc:Fallback xmlns="">
       <p:transition spd="med">
         <p:fade/>
       </p:transition>
@@ -41879,7 +42776,7 @@
           <a:blip r:embed="rId2">
             <a:extLst>
               <a:ext uri="{28A0092B-C50C-407E-A947-70E740481C1C}">
-                <a14:useLocalDpi xmlns:a14="http://schemas.microsoft.com/office/drawing/2010/main" xmlns="" val="0"/>
+                <a14:useLocalDpi xmlns:a14="http://schemas.microsoft.com/office/drawing/2010/main" val="0"/>
               </a:ext>
             </a:extLst>
           </a:blip>
@@ -41963,7 +42860,7 @@
     </p:spTree>
     <p:extLst>
       <p:ext uri="{BB962C8B-B14F-4D97-AF65-F5344CB8AC3E}">
-        <p14:creationId xmlns:p14="http://schemas.microsoft.com/office/powerpoint/2010/main" xmlns="" val="2631736463"/>
+        <p14:creationId xmlns:p14="http://schemas.microsoft.com/office/powerpoint/2010/main" val="2631736463"/>
       </p:ext>
     </p:extLst>
   </p:cSld>
@@ -42031,39 +42928,14 @@
           <a:p>
             <a:r>
               <a:rPr lang="en-US" dirty="0" smtClean="0"/>
-              <a:t>diversity </a:t>
-            </a:r>
-            <a:r>
-              <a:rPr lang="en-US" dirty="0" smtClean="0"/>
-              <a:t>/ </a:t>
-            </a:r>
-            <a:r>
-              <a:rPr lang="en-US" dirty="0" smtClean="0"/>
-              <a:t>stability			 </a:t>
-            </a:r>
-            <a:r>
-              <a:rPr lang="en-US" dirty="0" smtClean="0"/>
-              <a:t>[ keystone species ]</a:t>
+              <a:t>diversity / stability			 [ keystone species ]</a:t>
             </a:r>
           </a:p>
           <a:p>
             <a:r>
               <a:rPr lang="en-US" dirty="0" smtClean="0"/>
-              <a:t>stable  / chaos </a:t>
+              <a:t>stable  / chaos 			 [ dynamic equilibrium ]</a:t>
             </a:r>
-            <a:r>
-              <a:rPr lang="en-US" dirty="0" smtClean="0"/>
-              <a:t>			 [ </a:t>
-            </a:r>
-            <a:r>
-              <a:rPr lang="en-US" dirty="0" smtClean="0"/>
-              <a:t>dynamic </a:t>
-            </a:r>
-            <a:r>
-              <a:rPr lang="en-US" dirty="0" smtClean="0"/>
-              <a:t>equilibrium ]</a:t>
-            </a:r>
-            <a:endParaRPr lang="en-US" dirty="0" smtClean="0"/>
           </a:p>
           <a:p>
             <a:endParaRPr lang="en-US" sz="1400" dirty="0" smtClean="0"/>
@@ -42071,15 +42943,7 @@
           <a:p>
             <a:r>
               <a:rPr lang="en-US" dirty="0" smtClean="0"/>
-              <a:t>holism / </a:t>
-            </a:r>
-            <a:r>
-              <a:rPr lang="en-US" dirty="0" smtClean="0"/>
-              <a:t>reductionism		 	 [ </a:t>
-            </a:r>
-            <a:r>
-              <a:rPr lang="en-US" dirty="0" smtClean="0"/>
-              <a:t>back to Clements 1936 and Gleason 1939 ]</a:t>
+              <a:t>holism / reductionism		 	 [ back to Clements 1936 and Gleason 1939 ]</a:t>
             </a:r>
           </a:p>
           <a:p>
@@ -42089,15 +42953,7 @@
             </a:r>
             <a:r>
               <a:rPr lang="en-US" dirty="0" smtClean="0"/>
-              <a:t> / </a:t>
-            </a:r>
-            <a:r>
-              <a:rPr lang="en-US" dirty="0" smtClean="0"/>
-              <a:t>mechanistic		 </a:t>
-            </a:r>
-            <a:r>
-              <a:rPr lang="en-US" dirty="0" smtClean="0"/>
-              <a:t>[ broader than ecology ]</a:t>
+              <a:t> / mechanistic		 [ broader than ecology ]</a:t>
             </a:r>
           </a:p>
           <a:p>
@@ -42109,7 +42965,6 @@
               <a:rPr lang="en-US" dirty="0" smtClean="0"/>
               <a:t>Ecology as Science / Ecology as Social Movement</a:t>
             </a:r>
-            <a:endParaRPr lang="en-US" dirty="0" smtClean="0"/>
           </a:p>
           <a:p>
             <a:endParaRPr lang="en-US" sz="1400" dirty="0" smtClean="0"/>
@@ -42117,27 +42972,7 @@
           <a:p>
             <a:r>
               <a:rPr lang="en-US" dirty="0" smtClean="0"/>
-              <a:t>	management </a:t>
-            </a:r>
-            <a:r>
-              <a:rPr lang="en-US" dirty="0" smtClean="0"/>
-              <a:t>/ science	</a:t>
-            </a:r>
-            <a:r>
-              <a:rPr lang="en-US" dirty="0" smtClean="0"/>
-              <a:t>	</a:t>
-            </a:r>
-            <a:r>
-              <a:rPr lang="en-US" dirty="0" smtClean="0"/>
-              <a:t>“</a:t>
-            </a:r>
-            <a:r>
-              <a:rPr lang="en-US" dirty="0" smtClean="0"/>
-              <a:t>everything is inter-related</a:t>
-            </a:r>
-            <a:r>
-              <a:rPr lang="en-US" dirty="0" smtClean="0"/>
-              <a:t>”</a:t>
+              <a:t>	management / science		“everything is inter-related”</a:t>
             </a:r>
           </a:p>
           <a:p>
@@ -42145,7 +42980,6 @@
               <a:rPr lang="en-US" dirty="0" smtClean="0"/>
               <a:t>						“sustainability”</a:t>
             </a:r>
-            <a:endParaRPr lang="en-US" dirty="0" smtClean="0"/>
           </a:p>
           <a:p>
             <a:endParaRPr lang="en-US" dirty="0" smtClean="0"/>
@@ -42305,7 +43139,7 @@
           <p:nvPr>
             <p:extLst>
               <p:ext uri="{D42A27DB-BD31-4B8C-83A1-F6EECF244321}">
-                <p14:modId xmlns:p14="http://schemas.microsoft.com/office/powerpoint/2010/main" xmlns="" val="4190648484"/>
+                <p14:modId xmlns:p14="http://schemas.microsoft.com/office/powerpoint/2010/main" val="4190648484"/>
               </p:ext>
             </p:extLst>
           </p:nvPr>
@@ -42323,7 +43157,7 @@
     </p:spTree>
     <p:extLst>
       <p:ext uri="{BB962C8B-B14F-4D97-AF65-F5344CB8AC3E}">
-        <p14:creationId xmlns:p14="http://schemas.microsoft.com/office/powerpoint/2010/main" xmlns="" val="3592827694"/>
+        <p14:creationId xmlns:p14="http://schemas.microsoft.com/office/powerpoint/2010/main" val="3592827694"/>
       </p:ext>
     </p:extLst>
   </p:cSld>
